--- a/trunk/papers/pldi2011/drawings.pptx
+++ b/trunk/papers/pldi2011/drawings.pptx
@@ -290,7 +290,7 @@
             <a:fld id="{1D8BD707-D9CF-40AE-B4C6-C98DA3205C09}" type="datetimeFigureOut">
               <a:rPr lang="en-US" smtClean="0"/>
               <a:pPr/>
-              <a:t>10/5/2010</a:t>
+              <a:t>10/12/2010</a:t>
             </a:fld>
             <a:endParaRPr lang="en-US"/>
           </a:p>
@@ -457,7 +457,7 @@
             <a:fld id="{1D8BD707-D9CF-40AE-B4C6-C98DA3205C09}" type="datetimeFigureOut">
               <a:rPr lang="en-US" smtClean="0"/>
               <a:pPr/>
-              <a:t>10/5/2010</a:t>
+              <a:t>10/12/2010</a:t>
             </a:fld>
             <a:endParaRPr lang="en-US"/>
           </a:p>
@@ -634,7 +634,7 @@
             <a:fld id="{1D8BD707-D9CF-40AE-B4C6-C98DA3205C09}" type="datetimeFigureOut">
               <a:rPr lang="en-US" smtClean="0"/>
               <a:pPr/>
-              <a:t>10/5/2010</a:t>
+              <a:t>10/12/2010</a:t>
             </a:fld>
             <a:endParaRPr lang="en-US"/>
           </a:p>
@@ -801,7 +801,7 @@
             <a:fld id="{1D8BD707-D9CF-40AE-B4C6-C98DA3205C09}" type="datetimeFigureOut">
               <a:rPr lang="en-US" smtClean="0"/>
               <a:pPr/>
-              <a:t>10/5/2010</a:t>
+              <a:t>10/12/2010</a:t>
             </a:fld>
             <a:endParaRPr lang="en-US"/>
           </a:p>
@@ -1044,7 +1044,7 @@
             <a:fld id="{1D8BD707-D9CF-40AE-B4C6-C98DA3205C09}" type="datetimeFigureOut">
               <a:rPr lang="en-US" smtClean="0"/>
               <a:pPr/>
-              <a:t>10/5/2010</a:t>
+              <a:t>10/12/2010</a:t>
             </a:fld>
             <a:endParaRPr lang="en-US"/>
           </a:p>
@@ -1329,7 +1329,7 @@
             <a:fld id="{1D8BD707-D9CF-40AE-B4C6-C98DA3205C09}" type="datetimeFigureOut">
               <a:rPr lang="en-US" smtClean="0"/>
               <a:pPr/>
-              <a:t>10/5/2010</a:t>
+              <a:t>10/12/2010</a:t>
             </a:fld>
             <a:endParaRPr lang="en-US"/>
           </a:p>
@@ -1748,7 +1748,7 @@
             <a:fld id="{1D8BD707-D9CF-40AE-B4C6-C98DA3205C09}" type="datetimeFigureOut">
               <a:rPr lang="en-US" smtClean="0"/>
               <a:pPr/>
-              <a:t>10/5/2010</a:t>
+              <a:t>10/12/2010</a:t>
             </a:fld>
             <a:endParaRPr lang="en-US"/>
           </a:p>
@@ -1863,7 +1863,7 @@
             <a:fld id="{1D8BD707-D9CF-40AE-B4C6-C98DA3205C09}" type="datetimeFigureOut">
               <a:rPr lang="en-US" smtClean="0"/>
               <a:pPr/>
-              <a:t>10/5/2010</a:t>
+              <a:t>10/12/2010</a:t>
             </a:fld>
             <a:endParaRPr lang="en-US"/>
           </a:p>
@@ -1955,7 +1955,7 @@
             <a:fld id="{1D8BD707-D9CF-40AE-B4C6-C98DA3205C09}" type="datetimeFigureOut">
               <a:rPr lang="en-US" smtClean="0"/>
               <a:pPr/>
-              <a:t>10/5/2010</a:t>
+              <a:t>10/12/2010</a:t>
             </a:fld>
             <a:endParaRPr lang="en-US"/>
           </a:p>
@@ -2229,7 +2229,7 @@
             <a:fld id="{1D8BD707-D9CF-40AE-B4C6-C98DA3205C09}" type="datetimeFigureOut">
               <a:rPr lang="en-US" smtClean="0"/>
               <a:pPr/>
-              <a:t>10/5/2010</a:t>
+              <a:t>10/12/2010</a:t>
             </a:fld>
             <a:endParaRPr lang="en-US"/>
           </a:p>
@@ -2479,7 +2479,7 @@
             <a:fld id="{1D8BD707-D9CF-40AE-B4C6-C98DA3205C09}" type="datetimeFigureOut">
               <a:rPr lang="en-US" smtClean="0"/>
               <a:pPr/>
-              <a:t>10/5/2010</a:t>
+              <a:t>10/12/2010</a:t>
             </a:fld>
             <a:endParaRPr lang="en-US"/>
           </a:p>
@@ -2689,7 +2689,7 @@
             <a:fld id="{1D8BD707-D9CF-40AE-B4C6-C98DA3205C09}" type="datetimeFigureOut">
               <a:rPr lang="en-US" smtClean="0"/>
               <a:pPr/>
-              <a:t>10/5/2010</a:t>
+              <a:t>10/12/2010</a:t>
             </a:fld>
             <a:endParaRPr lang="en-US"/>
           </a:p>
@@ -3105,14 +3105,14 @@
           <a:p>
             <a:pPr algn="ctr"/>
             <a:r>
-              <a:rPr lang="en-US" dirty="0" smtClean="0">
+              <a:rPr lang="en-US" sz="1400" dirty="0" smtClean="0">
                 <a:solidFill>
                   <a:schemeClr val="tx1"/>
                 </a:solidFill>
               </a:rPr>
               <a:t>1</a:t>
             </a:r>
-            <a:endParaRPr lang="en-US" dirty="0">
+            <a:endParaRPr lang="en-US" sz="1400" dirty="0">
               <a:solidFill>
                 <a:schemeClr val="tx1"/>
               </a:solidFill>
@@ -3315,7 +3315,7 @@
           <a:p>
             <a:pPr algn="ctr"/>
             <a:r>
-              <a:rPr lang="en-US" dirty="0" smtClean="0">
+              <a:rPr lang="en-US" sz="1400" dirty="0" smtClean="0">
                 <a:solidFill>
                   <a:schemeClr val="tx1"/>
                 </a:solidFill>
@@ -3376,7 +3376,7 @@
           <a:p>
             <a:pPr algn="ctr"/>
             <a:r>
-              <a:rPr lang="en-US" dirty="0" smtClean="0">
+              <a:rPr lang="en-US" sz="1400" dirty="0" smtClean="0">
                 <a:solidFill>
                   <a:schemeClr val="tx1"/>
                 </a:solidFill>
@@ -3477,8 +3477,8 @@
         </p:nvSpPr>
         <p:spPr>
           <a:xfrm>
-            <a:off x="4876800" y="2895600"/>
-            <a:ext cx="914400" cy="276999"/>
+            <a:off x="4876800" y="2971800"/>
+            <a:ext cx="990600" cy="215444"/>
           </a:xfrm>
           <a:prstGeom prst="rect">
             <a:avLst/>
@@ -3493,15 +3493,15 @@
           <a:p>
             <a:pPr algn="ctr"/>
             <a:r>
-              <a:rPr lang="en-US" sz="1200" i="1" dirty="0" err="1" smtClean="0">
-                <a:latin typeface="Times New Roman" pitchFamily="18" charset="0"/>
-                <a:cs typeface="Times New Roman" pitchFamily="18" charset="0"/>
+              <a:rPr lang="en-US" sz="800" dirty="0" err="1" smtClean="0">
+                <a:latin typeface="Courier New" pitchFamily="49" charset="0"/>
+                <a:cs typeface="Courier New" pitchFamily="49" charset="0"/>
               </a:rPr>
               <a:t>lastChange</a:t>
             </a:r>
-            <a:endParaRPr lang="en-US" sz="1200" i="1" dirty="0">
-              <a:latin typeface="Times New Roman" pitchFamily="18" charset="0"/>
-              <a:cs typeface="Times New Roman" pitchFamily="18" charset="0"/>
+            <a:endParaRPr lang="en-US" sz="1200" dirty="0">
+              <a:latin typeface="Courier New" pitchFamily="49" charset="0"/>
+              <a:cs typeface="Courier New" pitchFamily="49" charset="0"/>
             </a:endParaRPr>
           </a:p>
         </p:txBody>
@@ -3514,8 +3514,8 @@
         </p:nvSpPr>
         <p:spPr>
           <a:xfrm>
-            <a:off x="3810000" y="2895600"/>
-            <a:ext cx="914400" cy="276999"/>
+            <a:off x="3733800" y="2971800"/>
+            <a:ext cx="990600" cy="215444"/>
           </a:xfrm>
           <a:prstGeom prst="rect">
             <a:avLst/>
@@ -3530,15 +3530,15 @@
           <a:p>
             <a:pPr algn="ctr"/>
             <a:r>
-              <a:rPr lang="en-US" sz="1200" i="1" dirty="0" err="1" smtClean="0">
-                <a:latin typeface="Times New Roman" pitchFamily="18" charset="0"/>
-                <a:cs typeface="Times New Roman" pitchFamily="18" charset="0"/>
+              <a:rPr lang="en-US" sz="800" dirty="0" err="1" smtClean="0">
+                <a:latin typeface="Courier New" pitchFamily="49" charset="0"/>
+                <a:cs typeface="Courier New" pitchFamily="49" charset="0"/>
               </a:rPr>
               <a:t>lastChange</a:t>
             </a:r>
-            <a:endParaRPr lang="en-US" sz="1200" i="1" dirty="0">
-              <a:latin typeface="Times New Roman" pitchFamily="18" charset="0"/>
-              <a:cs typeface="Times New Roman" pitchFamily="18" charset="0"/>
+            <a:endParaRPr lang="en-US" sz="1050" dirty="0">
+              <a:latin typeface="Courier New" pitchFamily="49" charset="0"/>
+              <a:cs typeface="Courier New" pitchFamily="49" charset="0"/>
             </a:endParaRPr>
           </a:p>
         </p:txBody>
@@ -3551,8 +3551,8 @@
         </p:nvSpPr>
         <p:spPr>
           <a:xfrm>
-            <a:off x="3291840" y="2542401"/>
-            <a:ext cx="822960" cy="276999"/>
+            <a:off x="3291840" y="2560320"/>
+            <a:ext cx="822960" cy="274320"/>
           </a:xfrm>
           <a:prstGeom prst="rect">
             <a:avLst/>
@@ -3567,15 +3567,15 @@
           <a:p>
             <a:pPr algn="ctr"/>
             <a:r>
-              <a:rPr lang="en-US" sz="1200" i="1" dirty="0" smtClean="0">
-                <a:latin typeface="Times New Roman" pitchFamily="18" charset="0"/>
-                <a:cs typeface="Times New Roman" pitchFamily="18" charset="0"/>
+              <a:rPr lang="en-US" sz="800" dirty="0" smtClean="0">
+                <a:latin typeface="Courier New" pitchFamily="49" charset="0"/>
+                <a:cs typeface="Courier New" pitchFamily="49" charset="0"/>
               </a:rPr>
               <a:t>line 25</a:t>
             </a:r>
-            <a:endParaRPr lang="en-US" sz="1200" i="1" dirty="0">
-              <a:latin typeface="Times New Roman" pitchFamily="18" charset="0"/>
-              <a:cs typeface="Times New Roman" pitchFamily="18" charset="0"/>
+            <a:endParaRPr lang="en-US" sz="800" dirty="0">
+              <a:latin typeface="Courier New" pitchFamily="49" charset="0"/>
+              <a:cs typeface="Courier New" pitchFamily="49" charset="0"/>
             </a:endParaRPr>
           </a:p>
         </p:txBody>
@@ -3588,8 +3588,8 @@
         </p:nvSpPr>
         <p:spPr>
           <a:xfrm>
-            <a:off x="4343400" y="2542401"/>
-            <a:ext cx="822960" cy="276999"/>
+            <a:off x="4343400" y="2560320"/>
+            <a:ext cx="822960" cy="215444"/>
           </a:xfrm>
           <a:prstGeom prst="rect">
             <a:avLst/>
@@ -3604,15 +3604,15 @@
           <a:p>
             <a:pPr algn="ctr"/>
             <a:r>
-              <a:rPr lang="en-US" sz="1200" i="1" dirty="0" smtClean="0">
-                <a:latin typeface="Times New Roman" pitchFamily="18" charset="0"/>
-                <a:cs typeface="Times New Roman" pitchFamily="18" charset="0"/>
+              <a:rPr lang="en-US" sz="800" dirty="0" smtClean="0">
+                <a:latin typeface="Courier New" pitchFamily="49" charset="0"/>
+                <a:cs typeface="Courier New" pitchFamily="49" charset="0"/>
               </a:rPr>
               <a:t>line 29</a:t>
             </a:r>
-            <a:endParaRPr lang="en-US" sz="1200" i="1" dirty="0">
-              <a:latin typeface="Times New Roman" pitchFamily="18" charset="0"/>
-              <a:cs typeface="Times New Roman" pitchFamily="18" charset="0"/>
+            <a:endParaRPr lang="en-US" sz="800" dirty="0">
+              <a:latin typeface="Courier New" pitchFamily="49" charset="0"/>
+              <a:cs typeface="Courier New" pitchFamily="49" charset="0"/>
             </a:endParaRPr>
           </a:p>
         </p:txBody>
@@ -3625,8 +3625,8 @@
         </p:nvSpPr>
         <p:spPr>
           <a:xfrm>
-            <a:off x="5105400" y="2542401"/>
-            <a:ext cx="1219200" cy="276999"/>
+            <a:off x="5105400" y="2560320"/>
+            <a:ext cx="1295400" cy="215444"/>
           </a:xfrm>
           <a:prstGeom prst="rect">
             <a:avLst/>
@@ -3641,15 +3641,15 @@
           <a:p>
             <a:pPr algn="ctr"/>
             <a:r>
-              <a:rPr lang="en-US" sz="1200" i="1" dirty="0" smtClean="0">
-                <a:latin typeface="Times New Roman" pitchFamily="18" charset="0"/>
-                <a:cs typeface="Times New Roman" pitchFamily="18" charset="0"/>
+              <a:rPr lang="en-US" sz="800" dirty="0" smtClean="0">
+                <a:latin typeface="Courier New" pitchFamily="49" charset="0"/>
+                <a:cs typeface="Courier New" pitchFamily="49" charset="0"/>
               </a:rPr>
               <a:t>breakpoint hit</a:t>
             </a:r>
-            <a:endParaRPr lang="en-US" sz="1200" i="1" dirty="0">
-              <a:latin typeface="Times New Roman" pitchFamily="18" charset="0"/>
-              <a:cs typeface="Times New Roman" pitchFamily="18" charset="0"/>
+            <a:endParaRPr lang="en-US" sz="800" dirty="0">
+              <a:latin typeface="Courier New" pitchFamily="49" charset="0"/>
+              <a:cs typeface="Courier New" pitchFamily="49" charset="0"/>
             </a:endParaRPr>
           </a:p>
         </p:txBody>
@@ -3662,8 +3662,8 @@
         </p:nvSpPr>
         <p:spPr>
           <a:xfrm>
-            <a:off x="5791200" y="2999601"/>
-            <a:ext cx="556260" cy="276999"/>
+            <a:off x="5768340" y="2999601"/>
+            <a:ext cx="632460" cy="215444"/>
           </a:xfrm>
           <a:prstGeom prst="rect">
             <a:avLst/>
@@ -3678,15 +3678,15 @@
           <a:p>
             <a:pPr algn="ctr"/>
             <a:r>
-              <a:rPr lang="en-US" sz="1200" i="1" dirty="0" smtClean="0">
-                <a:latin typeface="Times New Roman" pitchFamily="18" charset="0"/>
-                <a:cs typeface="Times New Roman" pitchFamily="18" charset="0"/>
+              <a:rPr lang="en-US" sz="800" dirty="0" smtClean="0">
+                <a:latin typeface="Courier New" pitchFamily="49" charset="0"/>
+                <a:cs typeface="Courier New" pitchFamily="49" charset="0"/>
               </a:rPr>
               <a:t>trace</a:t>
             </a:r>
-            <a:endParaRPr lang="en-US" sz="1200" i="1" dirty="0">
-              <a:latin typeface="Times New Roman" pitchFamily="18" charset="0"/>
-              <a:cs typeface="Times New Roman" pitchFamily="18" charset="0"/>
+            <a:endParaRPr lang="en-US" sz="1200" dirty="0">
+              <a:latin typeface="Courier New" pitchFamily="49" charset="0"/>
+              <a:cs typeface="Courier New" pitchFamily="49" charset="0"/>
             </a:endParaRPr>
           </a:p>
         </p:txBody>

--- a/trunk/papers/pldi2011/drawings.pptx
+++ b/trunk/papers/pldi2011/drawings.pptx
@@ -290,7 +290,7 @@
             <a:fld id="{1D8BD707-D9CF-40AE-B4C6-C98DA3205C09}" type="datetimeFigureOut">
               <a:rPr lang="en-US" smtClean="0"/>
               <a:pPr/>
-              <a:t>10/12/2010</a:t>
+              <a:t>10/13/2010</a:t>
             </a:fld>
             <a:endParaRPr lang="en-US"/>
           </a:p>
@@ -457,7 +457,7 @@
             <a:fld id="{1D8BD707-D9CF-40AE-B4C6-C98DA3205C09}" type="datetimeFigureOut">
               <a:rPr lang="en-US" smtClean="0"/>
               <a:pPr/>
-              <a:t>10/12/2010</a:t>
+              <a:t>10/13/2010</a:t>
             </a:fld>
             <a:endParaRPr lang="en-US"/>
           </a:p>
@@ -634,7 +634,7 @@
             <a:fld id="{1D8BD707-D9CF-40AE-B4C6-C98DA3205C09}" type="datetimeFigureOut">
               <a:rPr lang="en-US" smtClean="0"/>
               <a:pPr/>
-              <a:t>10/12/2010</a:t>
+              <a:t>10/13/2010</a:t>
             </a:fld>
             <a:endParaRPr lang="en-US"/>
           </a:p>
@@ -801,7 +801,7 @@
             <a:fld id="{1D8BD707-D9CF-40AE-B4C6-C98DA3205C09}" type="datetimeFigureOut">
               <a:rPr lang="en-US" smtClean="0"/>
               <a:pPr/>
-              <a:t>10/12/2010</a:t>
+              <a:t>10/13/2010</a:t>
             </a:fld>
             <a:endParaRPr lang="en-US"/>
           </a:p>
@@ -1044,7 +1044,7 @@
             <a:fld id="{1D8BD707-D9CF-40AE-B4C6-C98DA3205C09}" type="datetimeFigureOut">
               <a:rPr lang="en-US" smtClean="0"/>
               <a:pPr/>
-              <a:t>10/12/2010</a:t>
+              <a:t>10/13/2010</a:t>
             </a:fld>
             <a:endParaRPr lang="en-US"/>
           </a:p>
@@ -1329,7 +1329,7 @@
             <a:fld id="{1D8BD707-D9CF-40AE-B4C6-C98DA3205C09}" type="datetimeFigureOut">
               <a:rPr lang="en-US" smtClean="0"/>
               <a:pPr/>
-              <a:t>10/12/2010</a:t>
+              <a:t>10/13/2010</a:t>
             </a:fld>
             <a:endParaRPr lang="en-US"/>
           </a:p>
@@ -1748,7 +1748,7 @@
             <a:fld id="{1D8BD707-D9CF-40AE-B4C6-C98DA3205C09}" type="datetimeFigureOut">
               <a:rPr lang="en-US" smtClean="0"/>
               <a:pPr/>
-              <a:t>10/12/2010</a:t>
+              <a:t>10/13/2010</a:t>
             </a:fld>
             <a:endParaRPr lang="en-US"/>
           </a:p>
@@ -1863,7 +1863,7 @@
             <a:fld id="{1D8BD707-D9CF-40AE-B4C6-C98DA3205C09}" type="datetimeFigureOut">
               <a:rPr lang="en-US" smtClean="0"/>
               <a:pPr/>
-              <a:t>10/12/2010</a:t>
+              <a:t>10/13/2010</a:t>
             </a:fld>
             <a:endParaRPr lang="en-US"/>
           </a:p>
@@ -1955,7 +1955,7 @@
             <a:fld id="{1D8BD707-D9CF-40AE-B4C6-C98DA3205C09}" type="datetimeFigureOut">
               <a:rPr lang="en-US" smtClean="0"/>
               <a:pPr/>
-              <a:t>10/12/2010</a:t>
+              <a:t>10/13/2010</a:t>
             </a:fld>
             <a:endParaRPr lang="en-US"/>
           </a:p>
@@ -2229,7 +2229,7 @@
             <a:fld id="{1D8BD707-D9CF-40AE-B4C6-C98DA3205C09}" type="datetimeFigureOut">
               <a:rPr lang="en-US" smtClean="0"/>
               <a:pPr/>
-              <a:t>10/12/2010</a:t>
+              <a:t>10/13/2010</a:t>
             </a:fld>
             <a:endParaRPr lang="en-US"/>
           </a:p>
@@ -2479,7 +2479,7 @@
             <a:fld id="{1D8BD707-D9CF-40AE-B4C6-C98DA3205C09}" type="datetimeFigureOut">
               <a:rPr lang="en-US" smtClean="0"/>
               <a:pPr/>
-              <a:t>10/12/2010</a:t>
+              <a:t>10/13/2010</a:t>
             </a:fld>
             <a:endParaRPr lang="en-US"/>
           </a:p>
@@ -2689,7 +2689,7 @@
             <a:fld id="{1D8BD707-D9CF-40AE-B4C6-C98DA3205C09}" type="datetimeFigureOut">
               <a:rPr lang="en-US" smtClean="0"/>
               <a:pPr/>
-              <a:t>10/12/2010</a:t>
+              <a:t>10/13/2010</a:t>
             </a:fld>
             <a:endParaRPr lang="en-US"/>
           </a:p>
@@ -3881,8 +3881,8 @@
                     <a:p>
                       <a:pPr algn="ctr"/>
                       <a:r>
-                        <a:rPr lang="en-US" sz="1000" dirty="0" smtClean="0"/>
-                        <a:t>Object Id</a:t>
+                        <a:rPr lang="en-US" sz="1000" dirty="0" err="1" smtClean="0"/>
+                        <a:t>OwnerId</a:t>
                       </a:r>
                       <a:endParaRPr lang="en-US" sz="1000" b="1" dirty="0">
                         <a:solidFill>
@@ -3981,8 +3981,8 @@
         </p:nvSpPr>
         <p:spPr>
           <a:xfrm>
-            <a:off x="5029200" y="3091190"/>
-            <a:ext cx="914400" cy="261610"/>
+            <a:off x="3352800" y="3091190"/>
+            <a:ext cx="2590800" cy="261610"/>
           </a:xfrm>
           <a:prstGeom prst="rect">
             <a:avLst/>
@@ -4002,7 +4002,15 @@
           <a:p>
             <a:r>
               <a:rPr lang="en-US" sz="1100" b="1" dirty="0" smtClean="0"/>
-              <a:t>bar id : 1010</a:t>
+              <a:t>bar </a:t>
+            </a:r>
+            <a:r>
+              <a:rPr lang="en-US" sz="1100" b="1" dirty="0" smtClean="0"/>
+              <a:t>id at the reproduction point </a:t>
+            </a:r>
+            <a:r>
+              <a:rPr lang="en-US" sz="1100" b="1" dirty="0" smtClean="0"/>
+              <a:t>: 1010</a:t>
             </a:r>
             <a:endParaRPr lang="en-US" sz="1100" b="1" dirty="0"/>
           </a:p>

--- a/trunk/papers/pldi2011/drawings.pptx
+++ b/trunk/papers/pldi2011/drawings.pptx
@@ -7,6 +7,8 @@
   <p:sldIdLst>
     <p:sldId id="256" r:id="rId2"/>
     <p:sldId id="257" r:id="rId3"/>
+    <p:sldId id="258" r:id="rId4"/>
+    <p:sldId id="259" r:id="rId5"/>
   </p:sldIdLst>
   <p:sldSz cx="9144000" cy="6858000" type="screen4x3"/>
   <p:notesSz cx="6858000" cy="9144000"/>
@@ -4137,6 +4139,1593 @@
                                         </p:cTn>
                                         <p:tgtEl>
                                           <p:spTgt spid="5"/>
+                                        </p:tgtEl>
+                                        <p:attrNameLst>
+                                          <p:attrName>style.visibility</p:attrName>
+                                        </p:attrNameLst>
+                                      </p:cBhvr>
+                                      <p:to>
+                                        <p:strVal val="visible"/>
+                                      </p:to>
+                                    </p:set>
+                                  </p:childTnLst>
+                                </p:cTn>
+                              </p:par>
+                            </p:childTnLst>
+                          </p:cTn>
+                        </p:par>
+                      </p:childTnLst>
+                    </p:cTn>
+                  </p:par>
+                </p:childTnLst>
+              </p:cTn>
+              <p:prevCondLst>
+                <p:cond evt="onPrev" delay="0">
+                  <p:tgtEl>
+                    <p:sldTgt/>
+                  </p:tgtEl>
+                </p:cond>
+              </p:prevCondLst>
+              <p:nextCondLst>
+                <p:cond evt="onNext" delay="0">
+                  <p:tgtEl>
+                    <p:sldTgt/>
+                  </p:tgtEl>
+                </p:cond>
+              </p:nextCondLst>
+            </p:seq>
+          </p:childTnLst>
+        </p:cTn>
+      </p:par>
+    </p:tnLst>
+  </p:timing>
+</p:sld>
+</file>
+
+<file path=ppt/slides/slide3.xml><?xml version="1.0" encoding="utf-8"?>
+<p:sld xmlns:a="http://schemas.openxmlformats.org/drawingml/2006/main" xmlns:r="http://schemas.openxmlformats.org/officeDocument/2006/relationships" xmlns:p="http://schemas.openxmlformats.org/presentationml/2006/main">
+  <p:cSld>
+    <p:spTree>
+      <p:nvGrpSpPr>
+        <p:cNvPr id="1" name=""/>
+        <p:cNvGrpSpPr/>
+        <p:nvPr/>
+      </p:nvGrpSpPr>
+      <p:grpSpPr>
+        <a:xfrm>
+          <a:off x="0" y="0"/>
+          <a:ext cx="0" cy="0"/>
+          <a:chOff x="0" y="0"/>
+          <a:chExt cx="0" cy="0"/>
+        </a:xfrm>
+      </p:grpSpPr>
+      <p:graphicFrame>
+        <p:nvGraphicFramePr>
+          <p:cNvPr id="5" name="Table 4"/>
+          <p:cNvGraphicFramePr>
+            <a:graphicFrameLocks noGrp="1"/>
+          </p:cNvGraphicFramePr>
+          <p:nvPr/>
+        </p:nvGraphicFramePr>
+        <p:xfrm>
+          <a:off x="2743199" y="2243394"/>
+          <a:ext cx="3276600" cy="665624"/>
+        </p:xfrm>
+        <a:graphic>
+          <a:graphicData uri="http://schemas.openxmlformats.org/drawingml/2006/table">
+            <a:tbl>
+              <a:tblPr bandRow="1">
+                <a:tableStyleId>{616DA210-FB5B-4158-B5E0-FEB733F419BA}</a:tableStyleId>
+              </a:tblPr>
+              <a:tblGrid>
+                <a:gridCol w="436881"/>
+                <a:gridCol w="553720"/>
+                <a:gridCol w="457200"/>
+                <a:gridCol w="457200"/>
+                <a:gridCol w="457200"/>
+                <a:gridCol w="457200"/>
+                <a:gridCol w="457199"/>
+              </a:tblGrid>
+              <a:tr h="269384">
+                <a:tc rowSpan="2">
+                  <a:txBody>
+                    <a:bodyPr/>
+                    <a:lstStyle/>
+                    <a:p>
+                      <a:pPr algn="ctr"/>
+                      <a:r>
+                        <a:rPr lang="en-US" sz="1000" dirty="0" err="1" smtClean="0"/>
+                        <a:t>foo</a:t>
+                      </a:r>
+                      <a:r>
+                        <a:rPr lang="en-US" sz="1000" baseline="0" dirty="0" smtClean="0"/>
+                        <a:t> </a:t>
+                      </a:r>
+                      <a:r>
+                        <a:rPr lang="en-US" sz="1000" baseline="0" dirty="0" smtClean="0"/>
+                        <a:t>changes</a:t>
+                      </a:r>
+                      <a:endParaRPr lang="en-US" sz="1000" b="1" dirty="0" smtClean="0">
+                        <a:solidFill>
+                          <a:schemeClr val="tx1"/>
+                        </a:solidFill>
+                      </a:endParaRPr>
+                    </a:p>
+                  </a:txBody>
+                  <a:tcPr vert="vert270" anchor="ctr"/>
+                </a:tc>
+                <a:tc>
+                  <a:txBody>
+                    <a:bodyPr/>
+                    <a:lstStyle/>
+                    <a:p>
+                      <a:pPr algn="ctr"/>
+                      <a:r>
+                        <a:rPr lang="en-US" sz="1000" dirty="0" smtClean="0"/>
+                        <a:t>Index</a:t>
+                      </a:r>
+                      <a:endParaRPr lang="en-US" sz="1000" b="1" dirty="0" smtClean="0">
+                        <a:solidFill>
+                          <a:schemeClr val="bg1"/>
+                        </a:solidFill>
+                      </a:endParaRPr>
+                    </a:p>
+                  </a:txBody>
+                  <a:tcPr anchor="ctr"/>
+                </a:tc>
+                <a:tc>
+                  <a:txBody>
+                    <a:bodyPr/>
+                    <a:lstStyle/>
+                    <a:p>
+                      <a:pPr algn="ctr"/>
+                      <a:r>
+                        <a:rPr lang="en-US" sz="1000" dirty="0" smtClean="0"/>
+                        <a:t>1</a:t>
+                      </a:r>
+                      <a:endParaRPr lang="en-US" sz="1000" b="1" dirty="0"/>
+                    </a:p>
+                  </a:txBody>
+                  <a:tcPr anchor="ctr"/>
+                </a:tc>
+                <a:tc>
+                  <a:txBody>
+                    <a:bodyPr/>
+                    <a:lstStyle/>
+                    <a:p>
+                      <a:pPr algn="ctr"/>
+                      <a:r>
+                        <a:rPr lang="en-US" sz="1000" dirty="0" smtClean="0"/>
+                        <a:t>2</a:t>
+                      </a:r>
+                      <a:endParaRPr lang="en-US" sz="1000" b="1" dirty="0"/>
+                    </a:p>
+                  </a:txBody>
+                  <a:tcPr anchor="ctr"/>
+                </a:tc>
+                <a:tc>
+                  <a:txBody>
+                    <a:bodyPr/>
+                    <a:lstStyle/>
+                    <a:p>
+                      <a:pPr algn="ctr"/>
+                      <a:r>
+                        <a:rPr lang="en-US" sz="1000" dirty="0" smtClean="0"/>
+                        <a:t>3</a:t>
+                      </a:r>
+                      <a:endParaRPr lang="en-US" sz="1000" b="1" dirty="0"/>
+                    </a:p>
+                  </a:txBody>
+                  <a:tcPr anchor="ctr"/>
+                </a:tc>
+                <a:tc>
+                  <a:txBody>
+                    <a:bodyPr/>
+                    <a:lstStyle/>
+                    <a:p>
+                      <a:pPr algn="ctr"/>
+                      <a:r>
+                        <a:rPr lang="en-US" sz="1000" dirty="0" smtClean="0"/>
+                        <a:t>4</a:t>
+                      </a:r>
+                      <a:endParaRPr lang="en-US" sz="1000" b="1" dirty="0"/>
+                    </a:p>
+                  </a:txBody>
+                  <a:tcPr anchor="ctr"/>
+                </a:tc>
+                <a:tc>
+                  <a:txBody>
+                    <a:bodyPr/>
+                    <a:lstStyle/>
+                    <a:p>
+                      <a:pPr algn="ctr"/>
+                      <a:r>
+                        <a:rPr lang="en-US" sz="1000" dirty="0" smtClean="0"/>
+                        <a:t>5</a:t>
+                      </a:r>
+                      <a:endParaRPr lang="en-US" sz="1000" b="1" dirty="0"/>
+                    </a:p>
+                  </a:txBody>
+                  <a:tcPr anchor="ctr"/>
+                </a:tc>
+              </a:tr>
+              <a:tr h="382822">
+                <a:tc vMerge="1">
+                  <a:txBody>
+                    <a:bodyPr/>
+                    <a:lstStyle/>
+                    <a:p>
+                      <a:pPr algn="ctr"/>
+                      <a:endParaRPr lang="en-US" dirty="0"/>
+                    </a:p>
+                  </a:txBody>
+                  <a:tcPr anchor="ctr"/>
+                </a:tc>
+                <a:tc>
+                  <a:txBody>
+                    <a:bodyPr/>
+                    <a:lstStyle/>
+                    <a:p>
+                      <a:pPr algn="ctr"/>
+                      <a:r>
+                        <a:rPr lang="en-US" sz="1000" dirty="0" smtClean="0"/>
+                        <a:t>Scope Id</a:t>
+                      </a:r>
+                      <a:endParaRPr lang="en-US" sz="1000" b="1" dirty="0">
+                        <a:solidFill>
+                          <a:schemeClr val="bg1"/>
+                        </a:solidFill>
+                      </a:endParaRPr>
+                    </a:p>
+                  </a:txBody>
+                  <a:tcPr anchor="ctr"/>
+                </a:tc>
+                <a:tc>
+                  <a:txBody>
+                    <a:bodyPr/>
+                    <a:lstStyle/>
+                    <a:p>
+                      <a:pPr algn="ctr"/>
+                      <a:r>
+                        <a:rPr lang="en-US" sz="1000" dirty="0" smtClean="0"/>
+                        <a:t>50</a:t>
+                      </a:r>
+                      <a:endParaRPr lang="en-US" sz="1000" b="1" dirty="0"/>
+                    </a:p>
+                  </a:txBody>
+                  <a:tcPr anchor="ctr"/>
+                </a:tc>
+                <a:tc>
+                  <a:txBody>
+                    <a:bodyPr/>
+                    <a:lstStyle/>
+                    <a:p>
+                      <a:pPr algn="ctr"/>
+                      <a:r>
+                        <a:rPr lang="en-US" sz="1000" dirty="0" smtClean="0"/>
+                        <a:t>55</a:t>
+                      </a:r>
+                      <a:endParaRPr lang="en-US" sz="1000" b="1" dirty="0"/>
+                    </a:p>
+                  </a:txBody>
+                  <a:tcPr anchor="ctr"/>
+                </a:tc>
+                <a:tc>
+                  <a:txBody>
+                    <a:bodyPr/>
+                    <a:lstStyle/>
+                    <a:p>
+                      <a:pPr algn="ctr"/>
+                      <a:r>
+                        <a:rPr lang="en-US" sz="1000" dirty="0" smtClean="0"/>
+                        <a:t>36</a:t>
+                      </a:r>
+                      <a:endParaRPr lang="en-US" sz="1000" b="1" dirty="0"/>
+                    </a:p>
+                  </a:txBody>
+                  <a:tcPr anchor="ctr"/>
+                </a:tc>
+                <a:tc>
+                  <a:txBody>
+                    <a:bodyPr/>
+                    <a:lstStyle/>
+                    <a:p>
+                      <a:pPr algn="ctr"/>
+                      <a:r>
+                        <a:rPr lang="en-US" sz="1000" dirty="0" smtClean="0"/>
+                        <a:t>50</a:t>
+                      </a:r>
+                      <a:endParaRPr lang="en-US" sz="1000" b="1" dirty="0"/>
+                    </a:p>
+                  </a:txBody>
+                  <a:tcPr anchor="ctr"/>
+                </a:tc>
+                <a:tc>
+                  <a:txBody>
+                    <a:bodyPr/>
+                    <a:lstStyle/>
+                    <a:p>
+                      <a:pPr algn="ctr"/>
+                      <a:r>
+                        <a:rPr lang="en-US" sz="1000" dirty="0" smtClean="0"/>
+                        <a:t>100</a:t>
+                      </a:r>
+                      <a:endParaRPr lang="en-US" sz="1000" b="1" dirty="0"/>
+                    </a:p>
+                  </a:txBody>
+                  <a:tcPr anchor="ctr"/>
+                </a:tc>
+              </a:tr>
+            </a:tbl>
+          </a:graphicData>
+        </a:graphic>
+      </p:graphicFrame>
+      <p:sp>
+        <p:nvSpPr>
+          <p:cNvPr id="6" name="TextBox 5"/>
+          <p:cNvSpPr txBox="1"/>
+          <p:nvPr/>
+        </p:nvSpPr>
+        <p:spPr>
+          <a:xfrm>
+            <a:off x="2895600" y="3091190"/>
+            <a:ext cx="3048000" cy="261610"/>
+          </a:xfrm>
+          <a:prstGeom prst="rect">
+            <a:avLst/>
+          </a:prstGeom>
+          <a:noFill/>
+          <a:ln>
+            <a:solidFill>
+              <a:schemeClr val="tx1"/>
+            </a:solidFill>
+          </a:ln>
+        </p:spPr>
+        <p:txBody>
+          <a:bodyPr wrap="square" rtlCol="0">
+            <a:spAutoFit/>
+          </a:bodyPr>
+          <a:lstStyle/>
+          <a:p>
+            <a:r>
+              <a:rPr lang="en-US" sz="1100" b="1" dirty="0" smtClean="0"/>
+              <a:t>Variable’s scope id at the reproduction point </a:t>
+            </a:r>
+            <a:r>
+              <a:rPr lang="en-US" sz="1100" b="1" dirty="0" smtClean="0"/>
+              <a:t>: </a:t>
+            </a:r>
+            <a:r>
+              <a:rPr lang="en-US" sz="1100" b="1" dirty="0" smtClean="0"/>
+              <a:t>55</a:t>
+            </a:r>
+            <a:endParaRPr lang="en-US" sz="1100" b="1" dirty="0"/>
+          </a:p>
+        </p:txBody>
+      </p:sp>
+      <p:cxnSp>
+        <p:nvCxnSpPr>
+          <p:cNvPr id="11" name="Straight Connector 10"/>
+          <p:cNvCxnSpPr>
+            <a:endCxn id="12" idx="5"/>
+          </p:cNvCxnSpPr>
+          <p:nvPr/>
+        </p:nvCxnSpPr>
+        <p:spPr>
+          <a:xfrm rot="10800000">
+            <a:off x="4581246" y="2849050"/>
+            <a:ext cx="905155" cy="242141"/>
+          </a:xfrm>
+          <a:prstGeom prst="line">
+            <a:avLst/>
+          </a:prstGeom>
+          <a:ln w="15875">
+            <a:solidFill>
+              <a:schemeClr val="tx1"/>
+            </a:solidFill>
+          </a:ln>
+        </p:spPr>
+        <p:style>
+          <a:lnRef idx="1">
+            <a:schemeClr val="accent1"/>
+          </a:lnRef>
+          <a:fillRef idx="0">
+            <a:schemeClr val="accent1"/>
+          </a:fillRef>
+          <a:effectRef idx="0">
+            <a:schemeClr val="accent1"/>
+          </a:effectRef>
+          <a:fontRef idx="minor">
+            <a:schemeClr val="tx1"/>
+          </a:fontRef>
+        </p:style>
+      </p:cxnSp>
+      <p:sp>
+        <p:nvSpPr>
+          <p:cNvPr id="12" name="Oval 11"/>
+          <p:cNvSpPr/>
+          <p:nvPr/>
+        </p:nvSpPr>
+        <p:spPr>
+          <a:xfrm>
+            <a:off x="4191000" y="2133600"/>
+            <a:ext cx="457200" cy="838200"/>
+          </a:xfrm>
+          <a:prstGeom prst="ellipse">
+            <a:avLst/>
+          </a:prstGeom>
+          <a:noFill/>
+          <a:ln>
+            <a:solidFill>
+              <a:schemeClr val="tx1"/>
+            </a:solidFill>
+          </a:ln>
+        </p:spPr>
+        <p:style>
+          <a:lnRef idx="2">
+            <a:schemeClr val="accent1">
+              <a:shade val="50000"/>
+            </a:schemeClr>
+          </a:lnRef>
+          <a:fillRef idx="1">
+            <a:schemeClr val="accent1"/>
+          </a:fillRef>
+          <a:effectRef idx="0">
+            <a:schemeClr val="accent1"/>
+          </a:effectRef>
+          <a:fontRef idx="minor">
+            <a:schemeClr val="lt1"/>
+          </a:fontRef>
+        </p:style>
+        <p:txBody>
+          <a:bodyPr rtlCol="0" anchor="ctr"/>
+          <a:lstStyle/>
+          <a:p>
+            <a:pPr algn="ctr"/>
+            <a:endParaRPr lang="en-US"/>
+          </a:p>
+        </p:txBody>
+      </p:sp>
+    </p:spTree>
+  </p:cSld>
+  <p:clrMapOvr>
+    <a:masterClrMapping/>
+  </p:clrMapOvr>
+  <p:timing>
+    <p:tnLst>
+      <p:par>
+        <p:cTn id="1" dur="indefinite" restart="never" nodeType="tmRoot">
+          <p:childTnLst>
+            <p:seq concurrent="1" nextAc="seek">
+              <p:cTn id="2" dur="indefinite" nodeType="mainSeq">
+                <p:childTnLst>
+                  <p:par>
+                    <p:cTn id="3" fill="hold">
+                      <p:stCondLst>
+                        <p:cond delay="indefinite"/>
+                      </p:stCondLst>
+                      <p:childTnLst>
+                        <p:par>
+                          <p:cTn id="4" fill="hold">
+                            <p:stCondLst>
+                              <p:cond delay="0"/>
+                            </p:stCondLst>
+                            <p:childTnLst>
+                              <p:par>
+                                <p:cTn id="5" presetID="1" presetClass="entr" presetSubtype="0" fill="hold" nodeType="clickEffect">
+                                  <p:stCondLst>
+                                    <p:cond delay="0"/>
+                                  </p:stCondLst>
+                                  <p:childTnLst>
+                                    <p:set>
+                                      <p:cBhvr>
+                                        <p:cTn id="6" dur="1" fill="hold">
+                                          <p:stCondLst>
+                                            <p:cond delay="0"/>
+                                          </p:stCondLst>
+                                        </p:cTn>
+                                        <p:tgtEl>
+                                          <p:spTgt spid="5"/>
+                                        </p:tgtEl>
+                                        <p:attrNameLst>
+                                          <p:attrName>style.visibility</p:attrName>
+                                        </p:attrNameLst>
+                                      </p:cBhvr>
+                                      <p:to>
+                                        <p:strVal val="visible"/>
+                                      </p:to>
+                                    </p:set>
+                                  </p:childTnLst>
+                                </p:cTn>
+                              </p:par>
+                            </p:childTnLst>
+                          </p:cTn>
+                        </p:par>
+                      </p:childTnLst>
+                    </p:cTn>
+                  </p:par>
+                </p:childTnLst>
+              </p:cTn>
+              <p:prevCondLst>
+                <p:cond evt="onPrev" delay="0">
+                  <p:tgtEl>
+                    <p:sldTgt/>
+                  </p:tgtEl>
+                </p:cond>
+              </p:prevCondLst>
+              <p:nextCondLst>
+                <p:cond evt="onNext" delay="0">
+                  <p:tgtEl>
+                    <p:sldTgt/>
+                  </p:tgtEl>
+                </p:cond>
+              </p:nextCondLst>
+            </p:seq>
+          </p:childTnLst>
+        </p:cTn>
+      </p:par>
+    </p:tnLst>
+  </p:timing>
+</p:sld>
+</file>
+
+<file path=ppt/slides/slide4.xml><?xml version="1.0" encoding="utf-8"?>
+<p:sld xmlns:a="http://schemas.openxmlformats.org/drawingml/2006/main" xmlns:r="http://schemas.openxmlformats.org/officeDocument/2006/relationships" xmlns:p="http://schemas.openxmlformats.org/presentationml/2006/main">
+  <p:cSld>
+    <p:spTree>
+      <p:nvGrpSpPr>
+        <p:cNvPr id="1" name=""/>
+        <p:cNvGrpSpPr/>
+        <p:nvPr/>
+      </p:nvGrpSpPr>
+      <p:grpSpPr>
+        <a:xfrm>
+          <a:off x="0" y="0"/>
+          <a:ext cx="0" cy="0"/>
+          <a:chOff x="0" y="0"/>
+          <a:chExt cx="0" cy="0"/>
+        </a:xfrm>
+      </p:grpSpPr>
+      <p:graphicFrame>
+        <p:nvGraphicFramePr>
+          <p:cNvPr id="5" name="Table 4"/>
+          <p:cNvGraphicFramePr>
+            <a:graphicFrameLocks noGrp="1"/>
+          </p:cNvGraphicFramePr>
+          <p:nvPr/>
+        </p:nvGraphicFramePr>
+        <p:xfrm>
+          <a:off x="2743199" y="2243395"/>
+          <a:ext cx="3200402" cy="1075076"/>
+        </p:xfrm>
+        <a:graphic>
+          <a:graphicData uri="http://schemas.openxmlformats.org/drawingml/2006/table">
+            <a:tbl>
+              <a:tblPr bandRow="1">
+                <a:tableStyleId>{616DA210-FB5B-4158-B5E0-FEB733F419BA}</a:tableStyleId>
+              </a:tblPr>
+              <a:tblGrid>
+                <a:gridCol w="432488"/>
+                <a:gridCol w="691978"/>
+                <a:gridCol w="518984"/>
+                <a:gridCol w="518984"/>
+                <a:gridCol w="518984"/>
+                <a:gridCol w="518984"/>
+              </a:tblGrid>
+              <a:tr h="186729">
+                <a:tc rowSpan="3">
+                  <a:txBody>
+                    <a:bodyPr/>
+                    <a:lstStyle/>
+                    <a:p>
+                      <a:pPr algn="ctr"/>
+                      <a:r>
+                        <a:rPr lang="en-US" sz="900" dirty="0" smtClean="0"/>
+                        <a:t>X</a:t>
+                      </a:r>
+                    </a:p>
+                    <a:p>
+                      <a:pPr algn="ctr"/>
+                      <a:r>
+                        <a:rPr lang="en-US" sz="900" baseline="0" dirty="0" smtClean="0"/>
+                        <a:t>changes</a:t>
+                      </a:r>
+                      <a:endParaRPr lang="en-US" sz="900" b="1" dirty="0" smtClean="0">
+                        <a:solidFill>
+                          <a:schemeClr val="tx1"/>
+                        </a:solidFill>
+                      </a:endParaRPr>
+                    </a:p>
+                  </a:txBody>
+                  <a:tcPr vert="vert270" anchor="ctr"/>
+                </a:tc>
+                <a:tc>
+                  <a:txBody>
+                    <a:bodyPr/>
+                    <a:lstStyle/>
+                    <a:p>
+                      <a:pPr algn="ctr"/>
+                      <a:r>
+                        <a:rPr lang="en-US" sz="900" dirty="0" smtClean="0"/>
+                        <a:t>Index</a:t>
+                      </a:r>
+                      <a:endParaRPr lang="en-US" sz="900" b="1" dirty="0" smtClean="0">
+                        <a:solidFill>
+                          <a:schemeClr val="bg1"/>
+                        </a:solidFill>
+                      </a:endParaRPr>
+                    </a:p>
+                  </a:txBody>
+                  <a:tcPr anchor="ctr"/>
+                </a:tc>
+                <a:tc>
+                  <a:txBody>
+                    <a:bodyPr/>
+                    <a:lstStyle/>
+                    <a:p>
+                      <a:pPr algn="ctr"/>
+                      <a:r>
+                        <a:rPr lang="en-US" sz="900" dirty="0" smtClean="0"/>
+                        <a:t>1</a:t>
+                      </a:r>
+                      <a:endParaRPr lang="en-US" sz="900" b="1" dirty="0"/>
+                    </a:p>
+                  </a:txBody>
+                  <a:tcPr anchor="ctr"/>
+                </a:tc>
+                <a:tc>
+                  <a:txBody>
+                    <a:bodyPr/>
+                    <a:lstStyle/>
+                    <a:p>
+                      <a:pPr algn="ctr"/>
+                      <a:r>
+                        <a:rPr lang="en-US" sz="900" dirty="0" smtClean="0"/>
+                        <a:t>2</a:t>
+                      </a:r>
+                      <a:endParaRPr lang="en-US" sz="900" b="1" dirty="0"/>
+                    </a:p>
+                  </a:txBody>
+                  <a:tcPr anchor="ctr"/>
+                </a:tc>
+                <a:tc>
+                  <a:txBody>
+                    <a:bodyPr/>
+                    <a:lstStyle/>
+                    <a:p>
+                      <a:pPr algn="ctr"/>
+                      <a:r>
+                        <a:rPr lang="en-US" sz="900" dirty="0" smtClean="0"/>
+                        <a:t>3</a:t>
+                      </a:r>
+                      <a:endParaRPr lang="en-US" sz="900" b="1" dirty="0"/>
+                    </a:p>
+                  </a:txBody>
+                  <a:tcPr anchor="ctr"/>
+                </a:tc>
+                <a:tc>
+                  <a:txBody>
+                    <a:bodyPr/>
+                    <a:lstStyle/>
+                    <a:p>
+                      <a:pPr algn="ctr"/>
+                      <a:r>
+                        <a:rPr lang="en-US" sz="900" dirty="0" smtClean="0"/>
+                        <a:t>4</a:t>
+                      </a:r>
+                      <a:endParaRPr lang="en-US" sz="900" b="1" dirty="0"/>
+                    </a:p>
+                  </a:txBody>
+                  <a:tcPr anchor="ctr"/>
+                </a:tc>
+              </a:tr>
+              <a:tr h="410803">
+                <a:tc vMerge="1">
+                  <a:txBody>
+                    <a:bodyPr/>
+                    <a:lstStyle/>
+                    <a:p>
+                      <a:pPr algn="ctr"/>
+                      <a:endParaRPr lang="en-US" dirty="0"/>
+                    </a:p>
+                  </a:txBody>
+                  <a:tcPr anchor="ctr"/>
+                </a:tc>
+                <a:tc>
+                  <a:txBody>
+                    <a:bodyPr/>
+                    <a:lstStyle/>
+                    <a:p>
+                      <a:pPr marL="0" marR="0" indent="0" algn="ctr" defTabSz="914400" rtl="0" eaLnBrk="1" fontAlgn="auto" latinLnBrk="0" hangingPunct="1">
+                        <a:lnSpc>
+                          <a:spcPct val="100000"/>
+                        </a:lnSpc>
+                        <a:spcBef>
+                          <a:spcPts val="0"/>
+                        </a:spcBef>
+                        <a:spcAft>
+                          <a:spcPts val="0"/>
+                        </a:spcAft>
+                        <a:buClrTx/>
+                        <a:buSzTx/>
+                        <a:buFontTx/>
+                        <a:buNone/>
+                        <a:tabLst/>
+                        <a:defRPr/>
+                      </a:pPr>
+                      <a:r>
+                        <a:rPr lang="en-US" sz="900" dirty="0" smtClean="0"/>
+                        <a:t>X’s</a:t>
+                      </a:r>
+                    </a:p>
+                    <a:p>
+                      <a:pPr marL="0" marR="0" indent="0" algn="ctr" defTabSz="914400" rtl="0" eaLnBrk="1" fontAlgn="auto" latinLnBrk="0" hangingPunct="1">
+                        <a:lnSpc>
+                          <a:spcPct val="100000"/>
+                        </a:lnSpc>
+                        <a:spcBef>
+                          <a:spcPts val="0"/>
+                        </a:spcBef>
+                        <a:spcAft>
+                          <a:spcPts val="0"/>
+                        </a:spcAft>
+                        <a:buClrTx/>
+                        <a:buSzTx/>
+                        <a:buFontTx/>
+                        <a:buNone/>
+                        <a:tabLst/>
+                        <a:defRPr/>
+                      </a:pPr>
+                      <a:r>
+                        <a:rPr lang="en-US" sz="900" dirty="0" smtClean="0"/>
+                        <a:t>Owner Id</a:t>
+                      </a:r>
+                      <a:endParaRPr lang="en-US" sz="900" b="1" dirty="0" smtClean="0">
+                        <a:solidFill>
+                          <a:schemeClr val="bg1"/>
+                        </a:solidFill>
+                      </a:endParaRPr>
+                    </a:p>
+                  </a:txBody>
+                  <a:tcPr anchor="ctr"/>
+                </a:tc>
+                <a:tc>
+                  <a:txBody>
+                    <a:bodyPr/>
+                    <a:lstStyle/>
+                    <a:p>
+                      <a:pPr algn="ctr"/>
+                      <a:r>
+                        <a:rPr lang="en-US" sz="900" dirty="0" smtClean="0"/>
+                        <a:t>1010</a:t>
+                      </a:r>
+                      <a:endParaRPr lang="en-US" sz="900" b="1" dirty="0"/>
+                    </a:p>
+                  </a:txBody>
+                  <a:tcPr anchor="ctr"/>
+                </a:tc>
+                <a:tc>
+                  <a:txBody>
+                    <a:bodyPr/>
+                    <a:lstStyle/>
+                    <a:p>
+                      <a:pPr algn="ctr"/>
+                      <a:r>
+                        <a:rPr lang="en-US" sz="900" b="1" dirty="0" smtClean="0"/>
+                        <a:t>3801</a:t>
+                      </a:r>
+                      <a:endParaRPr lang="en-US" sz="900" b="1" dirty="0"/>
+                    </a:p>
+                  </a:txBody>
+                  <a:tcPr anchor="ctr"/>
+                </a:tc>
+                <a:tc>
+                  <a:txBody>
+                    <a:bodyPr/>
+                    <a:lstStyle/>
+                    <a:p>
+                      <a:pPr algn="ctr"/>
+                      <a:r>
+                        <a:rPr lang="en-US" sz="900" dirty="0" smtClean="0"/>
+                        <a:t>1010</a:t>
+                      </a:r>
+                      <a:endParaRPr lang="en-US" sz="900" b="1" dirty="0"/>
+                    </a:p>
+                  </a:txBody>
+                  <a:tcPr anchor="ctr"/>
+                </a:tc>
+                <a:tc>
+                  <a:txBody>
+                    <a:bodyPr/>
+                    <a:lstStyle/>
+                    <a:p>
+                      <a:pPr algn="ctr"/>
+                      <a:r>
+                        <a:rPr lang="en-US" sz="900" dirty="0" smtClean="0"/>
+                        <a:t>1010</a:t>
+                      </a:r>
+                      <a:endParaRPr lang="en-US" sz="900" b="1" dirty="0"/>
+                    </a:p>
+                  </a:txBody>
+                  <a:tcPr anchor="ctr"/>
+                </a:tc>
+              </a:tr>
+              <a:tr h="435673">
+                <a:tc vMerge="1">
+                  <a:txBody>
+                    <a:bodyPr/>
+                    <a:lstStyle/>
+                    <a:p>
+                      <a:pPr algn="ctr"/>
+                      <a:endParaRPr lang="en-US" sz="1000" b="1" dirty="0" smtClean="0">
+                        <a:solidFill>
+                          <a:schemeClr val="tx1"/>
+                        </a:solidFill>
+                      </a:endParaRPr>
+                    </a:p>
+                  </a:txBody>
+                  <a:tcPr vert="vert270" anchor="ctr"/>
+                </a:tc>
+                <a:tc>
+                  <a:txBody>
+                    <a:bodyPr/>
+                    <a:lstStyle/>
+                    <a:p>
+                      <a:pPr marL="0" marR="0" indent="0" algn="ctr" defTabSz="914400" rtl="0" eaLnBrk="1" fontAlgn="auto" latinLnBrk="0" hangingPunct="1">
+                        <a:lnSpc>
+                          <a:spcPct val="100000"/>
+                        </a:lnSpc>
+                        <a:spcBef>
+                          <a:spcPts val="0"/>
+                        </a:spcBef>
+                        <a:spcAft>
+                          <a:spcPts val="0"/>
+                        </a:spcAft>
+                        <a:buClrTx/>
+                        <a:buSzTx/>
+                        <a:buFontTx/>
+                        <a:buNone/>
+                        <a:tabLst/>
+                        <a:defRPr/>
+                      </a:pPr>
+                      <a:r>
+                        <a:rPr lang="en-US" sz="900" dirty="0" smtClean="0"/>
+                        <a:t>Y’s</a:t>
+                      </a:r>
+                    </a:p>
+                    <a:p>
+                      <a:pPr marL="0" marR="0" indent="0" algn="ctr" defTabSz="914400" rtl="0" eaLnBrk="1" fontAlgn="auto" latinLnBrk="0" hangingPunct="1">
+                        <a:lnSpc>
+                          <a:spcPct val="100000"/>
+                        </a:lnSpc>
+                        <a:spcBef>
+                          <a:spcPts val="0"/>
+                        </a:spcBef>
+                        <a:spcAft>
+                          <a:spcPts val="0"/>
+                        </a:spcAft>
+                        <a:buClrTx/>
+                        <a:buSzTx/>
+                        <a:buFontTx/>
+                        <a:buNone/>
+                        <a:tabLst/>
+                        <a:defRPr/>
+                      </a:pPr>
+                      <a:r>
+                        <a:rPr lang="en-US" sz="900" dirty="0" smtClean="0"/>
+                        <a:t>Owner Id</a:t>
+                      </a:r>
+                      <a:endParaRPr lang="en-US" sz="900" b="1" dirty="0" smtClean="0">
+                        <a:solidFill>
+                          <a:schemeClr val="bg1"/>
+                        </a:solidFill>
+                      </a:endParaRPr>
+                    </a:p>
+                  </a:txBody>
+                  <a:tcPr anchor="ctr">
+                    <a:solidFill>
+                      <a:schemeClr val="bg1">
+                        <a:alpha val="20000"/>
+                      </a:schemeClr>
+                    </a:solidFill>
+                  </a:tcPr>
+                </a:tc>
+                <a:tc>
+                  <a:txBody>
+                    <a:bodyPr/>
+                    <a:lstStyle/>
+                    <a:p>
+                      <a:pPr marL="0" marR="0" indent="0" algn="ctr" defTabSz="914400" rtl="0" eaLnBrk="1" fontAlgn="auto" latinLnBrk="0" hangingPunct="1">
+                        <a:lnSpc>
+                          <a:spcPct val="100000"/>
+                        </a:lnSpc>
+                        <a:spcBef>
+                          <a:spcPts val="0"/>
+                        </a:spcBef>
+                        <a:spcAft>
+                          <a:spcPts val="0"/>
+                        </a:spcAft>
+                        <a:buClrTx/>
+                        <a:buSzTx/>
+                        <a:buFontTx/>
+                        <a:buNone/>
+                        <a:tabLst/>
+                        <a:defRPr/>
+                      </a:pPr>
+                      <a:r>
+                        <a:rPr lang="en-US" sz="900" dirty="0" smtClean="0"/>
+                        <a:t>253</a:t>
+                      </a:r>
+                      <a:endParaRPr lang="en-US" sz="900" b="1" dirty="0" smtClean="0">
+                        <a:solidFill>
+                          <a:schemeClr val="bg1"/>
+                        </a:solidFill>
+                      </a:endParaRPr>
+                    </a:p>
+                  </a:txBody>
+                  <a:tcPr anchor="ctr">
+                    <a:solidFill>
+                      <a:schemeClr val="bg1">
+                        <a:alpha val="20000"/>
+                      </a:schemeClr>
+                    </a:solidFill>
+                  </a:tcPr>
+                </a:tc>
+                <a:tc>
+                  <a:txBody>
+                    <a:bodyPr/>
+                    <a:lstStyle/>
+                    <a:p>
+                      <a:pPr algn="ctr"/>
+                      <a:r>
+                        <a:rPr lang="en-US" sz="900" b="1" dirty="0" smtClean="0"/>
+                        <a:t>1772</a:t>
+                      </a:r>
+                      <a:endParaRPr lang="en-US" sz="900" b="1" dirty="0"/>
+                    </a:p>
+                  </a:txBody>
+                  <a:tcPr anchor="ctr">
+                    <a:solidFill>
+                      <a:schemeClr val="bg1">
+                        <a:alpha val="20000"/>
+                      </a:schemeClr>
+                    </a:solidFill>
+                  </a:tcPr>
+                </a:tc>
+                <a:tc>
+                  <a:txBody>
+                    <a:bodyPr/>
+                    <a:lstStyle/>
+                    <a:p>
+                      <a:pPr marL="0" marR="0" indent="0" algn="ctr" defTabSz="914400" rtl="0" eaLnBrk="1" fontAlgn="auto" latinLnBrk="0" hangingPunct="1">
+                        <a:lnSpc>
+                          <a:spcPct val="100000"/>
+                        </a:lnSpc>
+                        <a:spcBef>
+                          <a:spcPts val="0"/>
+                        </a:spcBef>
+                        <a:spcAft>
+                          <a:spcPts val="0"/>
+                        </a:spcAft>
+                        <a:buClrTx/>
+                        <a:buSzTx/>
+                        <a:buFontTx/>
+                        <a:buNone/>
+                        <a:tabLst/>
+                        <a:defRPr/>
+                      </a:pPr>
+                      <a:r>
+                        <a:rPr lang="en-US" sz="900" b="0" dirty="0" smtClean="0"/>
+                        <a:t>743</a:t>
+                      </a:r>
+                      <a:endParaRPr lang="en-US" sz="900" b="1" dirty="0" smtClean="0"/>
+                    </a:p>
+                  </a:txBody>
+                  <a:tcPr anchor="ctr">
+                    <a:solidFill>
+                      <a:schemeClr val="bg1">
+                        <a:alpha val="20000"/>
+                      </a:schemeClr>
+                    </a:solidFill>
+                  </a:tcPr>
+                </a:tc>
+                <a:tc>
+                  <a:txBody>
+                    <a:bodyPr/>
+                    <a:lstStyle/>
+                    <a:p>
+                      <a:pPr marL="0" marR="0" indent="0" algn="ctr" defTabSz="914400" rtl="0" eaLnBrk="1" fontAlgn="auto" latinLnBrk="0" hangingPunct="1">
+                        <a:lnSpc>
+                          <a:spcPct val="100000"/>
+                        </a:lnSpc>
+                        <a:spcBef>
+                          <a:spcPts val="0"/>
+                        </a:spcBef>
+                        <a:spcAft>
+                          <a:spcPts val="0"/>
+                        </a:spcAft>
+                        <a:buClrTx/>
+                        <a:buSzTx/>
+                        <a:buFontTx/>
+                        <a:buNone/>
+                        <a:tabLst/>
+                        <a:defRPr/>
+                      </a:pPr>
+                      <a:r>
+                        <a:rPr lang="en-US" sz="900" b="0" dirty="0" smtClean="0"/>
+                        <a:t>1772</a:t>
+                      </a:r>
+                      <a:endParaRPr lang="en-US" sz="900" b="1" dirty="0" smtClean="0"/>
+                    </a:p>
+                  </a:txBody>
+                  <a:tcPr anchor="ctr">
+                    <a:solidFill>
+                      <a:schemeClr val="bg1">
+                        <a:alpha val="20000"/>
+                      </a:schemeClr>
+                    </a:solidFill>
+                  </a:tcPr>
+                </a:tc>
+              </a:tr>
+            </a:tbl>
+          </a:graphicData>
+        </a:graphic>
+      </p:graphicFrame>
+      <p:sp>
+        <p:nvSpPr>
+          <p:cNvPr id="6" name="TextBox 5"/>
+          <p:cNvSpPr txBox="1"/>
+          <p:nvPr/>
+        </p:nvSpPr>
+        <p:spPr>
+          <a:xfrm>
+            <a:off x="3429000" y="1719590"/>
+            <a:ext cx="2514600" cy="261610"/>
+          </a:xfrm>
+          <a:prstGeom prst="rect">
+            <a:avLst/>
+          </a:prstGeom>
+          <a:noFill/>
+          <a:ln>
+            <a:solidFill>
+              <a:schemeClr val="tx1"/>
+            </a:solidFill>
+          </a:ln>
+        </p:spPr>
+        <p:txBody>
+          <a:bodyPr wrap="square" rtlCol="0">
+            <a:spAutoFit/>
+          </a:bodyPr>
+          <a:lstStyle/>
+          <a:p>
+            <a:r>
+              <a:rPr lang="en-US" sz="1100" b="1" dirty="0" smtClean="0"/>
+              <a:t>bar id at the reproduction point  </a:t>
+            </a:r>
+            <a:r>
+              <a:rPr lang="en-US" sz="1100" b="1" dirty="0" smtClean="0"/>
+              <a:t>: </a:t>
+            </a:r>
+            <a:r>
+              <a:rPr lang="en-US" sz="1100" b="1" dirty="0" smtClean="0"/>
+              <a:t>3801</a:t>
+            </a:r>
+            <a:endParaRPr lang="en-US" sz="1100" b="1" dirty="0"/>
+          </a:p>
+        </p:txBody>
+      </p:sp>
+      <p:cxnSp>
+        <p:nvCxnSpPr>
+          <p:cNvPr id="11" name="Straight Connector 10"/>
+          <p:cNvCxnSpPr>
+            <a:stCxn id="6" idx="2"/>
+            <a:endCxn id="12" idx="0"/>
+          </p:cNvCxnSpPr>
+          <p:nvPr/>
+        </p:nvCxnSpPr>
+        <p:spPr>
+          <a:xfrm rot="5400000">
+            <a:off x="4552950" y="2076450"/>
+            <a:ext cx="228600" cy="38100"/>
+          </a:xfrm>
+          <a:prstGeom prst="line">
+            <a:avLst/>
+          </a:prstGeom>
+          <a:ln w="15875">
+            <a:solidFill>
+              <a:schemeClr val="tx1"/>
+            </a:solidFill>
+          </a:ln>
+        </p:spPr>
+        <p:style>
+          <a:lnRef idx="1">
+            <a:schemeClr val="accent1"/>
+          </a:lnRef>
+          <a:fillRef idx="0">
+            <a:schemeClr val="accent1"/>
+          </a:fillRef>
+          <a:effectRef idx="0">
+            <a:schemeClr val="accent1"/>
+          </a:effectRef>
+          <a:fontRef idx="minor">
+            <a:schemeClr val="tx1"/>
+          </a:fontRef>
+        </p:style>
+      </p:cxnSp>
+      <p:sp>
+        <p:nvSpPr>
+          <p:cNvPr id="12" name="Oval 11"/>
+          <p:cNvSpPr/>
+          <p:nvPr/>
+        </p:nvSpPr>
+        <p:spPr>
+          <a:xfrm>
+            <a:off x="4419600" y="2209800"/>
+            <a:ext cx="457200" cy="1143000"/>
+          </a:xfrm>
+          <a:prstGeom prst="ellipse">
+            <a:avLst/>
+          </a:prstGeom>
+          <a:noFill/>
+          <a:ln>
+            <a:solidFill>
+              <a:schemeClr val="tx1"/>
+            </a:solidFill>
+          </a:ln>
+        </p:spPr>
+        <p:style>
+          <a:lnRef idx="2">
+            <a:schemeClr val="accent1">
+              <a:shade val="50000"/>
+            </a:schemeClr>
+          </a:lnRef>
+          <a:fillRef idx="1">
+            <a:schemeClr val="accent1"/>
+          </a:fillRef>
+          <a:effectRef idx="0">
+            <a:schemeClr val="accent1"/>
+          </a:effectRef>
+          <a:fontRef idx="minor">
+            <a:schemeClr val="lt1"/>
+          </a:fontRef>
+        </p:style>
+        <p:txBody>
+          <a:bodyPr rtlCol="0" anchor="ctr"/>
+          <a:lstStyle/>
+          <a:p>
+            <a:pPr algn="ctr"/>
+            <a:endParaRPr lang="en-US"/>
+          </a:p>
+        </p:txBody>
+      </p:sp>
+      <p:graphicFrame>
+        <p:nvGraphicFramePr>
+          <p:cNvPr id="7" name="Table 6"/>
+          <p:cNvGraphicFramePr>
+            <a:graphicFrameLocks noGrp="1"/>
+          </p:cNvGraphicFramePr>
+          <p:nvPr/>
+        </p:nvGraphicFramePr>
+        <p:xfrm>
+          <a:off x="2743200" y="3581400"/>
+          <a:ext cx="3276600" cy="772304"/>
+        </p:xfrm>
+        <a:graphic>
+          <a:graphicData uri="http://schemas.openxmlformats.org/drawingml/2006/table">
+            <a:tbl>
+              <a:tblPr bandRow="1">
+                <a:tableStyleId>{616DA210-FB5B-4158-B5E0-FEB733F419BA}</a:tableStyleId>
+              </a:tblPr>
+              <a:tblGrid>
+                <a:gridCol w="436881"/>
+                <a:gridCol w="553720"/>
+                <a:gridCol w="457200"/>
+                <a:gridCol w="457200"/>
+                <a:gridCol w="457200"/>
+                <a:gridCol w="457199"/>
+                <a:gridCol w="457200"/>
+              </a:tblGrid>
+              <a:tr h="269384">
+                <a:tc rowSpan="2">
+                  <a:txBody>
+                    <a:bodyPr/>
+                    <a:lstStyle/>
+                    <a:p>
+                      <a:pPr algn="ctr"/>
+                      <a:r>
+                        <a:rPr lang="en-US" sz="900" dirty="0" smtClean="0"/>
+                        <a:t>Y </a:t>
+                      </a:r>
+                    </a:p>
+                    <a:p>
+                      <a:pPr algn="ctr"/>
+                      <a:r>
+                        <a:rPr lang="en-US" sz="900" baseline="0" dirty="0" smtClean="0"/>
+                        <a:t>changes</a:t>
+                      </a:r>
+                      <a:endParaRPr lang="en-US" sz="900" b="1" dirty="0" smtClean="0">
+                        <a:solidFill>
+                          <a:schemeClr val="tx1"/>
+                        </a:solidFill>
+                      </a:endParaRPr>
+                    </a:p>
+                  </a:txBody>
+                  <a:tcPr vert="vert270" anchor="ctr"/>
+                </a:tc>
+                <a:tc>
+                  <a:txBody>
+                    <a:bodyPr/>
+                    <a:lstStyle/>
+                    <a:p>
+                      <a:pPr algn="ctr"/>
+                      <a:r>
+                        <a:rPr lang="en-US" sz="900" dirty="0" smtClean="0"/>
+                        <a:t>Index</a:t>
+                      </a:r>
+                      <a:endParaRPr lang="en-US" sz="900" b="1" dirty="0" smtClean="0">
+                        <a:solidFill>
+                          <a:schemeClr val="bg1"/>
+                        </a:solidFill>
+                      </a:endParaRPr>
+                    </a:p>
+                  </a:txBody>
+                  <a:tcPr anchor="ctr"/>
+                </a:tc>
+                <a:tc>
+                  <a:txBody>
+                    <a:bodyPr/>
+                    <a:lstStyle/>
+                    <a:p>
+                      <a:pPr algn="ctr"/>
+                      <a:r>
+                        <a:rPr lang="en-US" sz="900" dirty="0" smtClean="0"/>
+                        <a:t>1</a:t>
+                      </a:r>
+                      <a:endParaRPr lang="en-US" sz="900" b="1" dirty="0"/>
+                    </a:p>
+                  </a:txBody>
+                  <a:tcPr anchor="ctr"/>
+                </a:tc>
+                <a:tc>
+                  <a:txBody>
+                    <a:bodyPr/>
+                    <a:lstStyle/>
+                    <a:p>
+                      <a:pPr algn="ctr"/>
+                      <a:r>
+                        <a:rPr lang="en-US" sz="900" dirty="0" smtClean="0"/>
+                        <a:t>2</a:t>
+                      </a:r>
+                      <a:endParaRPr lang="en-US" sz="900" b="1" dirty="0"/>
+                    </a:p>
+                  </a:txBody>
+                  <a:tcPr anchor="ctr"/>
+                </a:tc>
+                <a:tc>
+                  <a:txBody>
+                    <a:bodyPr/>
+                    <a:lstStyle/>
+                    <a:p>
+                      <a:pPr algn="ctr"/>
+                      <a:r>
+                        <a:rPr lang="en-US" sz="900" dirty="0" smtClean="0"/>
+                        <a:t>3</a:t>
+                      </a:r>
+                      <a:endParaRPr lang="en-US" sz="900" b="1" dirty="0"/>
+                    </a:p>
+                  </a:txBody>
+                  <a:tcPr anchor="ctr"/>
+                </a:tc>
+                <a:tc>
+                  <a:txBody>
+                    <a:bodyPr/>
+                    <a:lstStyle/>
+                    <a:p>
+                      <a:pPr algn="ctr"/>
+                      <a:r>
+                        <a:rPr lang="en-US" sz="900" dirty="0" smtClean="0"/>
+                        <a:t>4</a:t>
+                      </a:r>
+                      <a:endParaRPr lang="en-US" sz="900" b="1" dirty="0"/>
+                    </a:p>
+                  </a:txBody>
+                  <a:tcPr anchor="ctr"/>
+                </a:tc>
+                <a:tc>
+                  <a:txBody>
+                    <a:bodyPr/>
+                    <a:lstStyle/>
+                    <a:p>
+                      <a:pPr algn="ctr"/>
+                      <a:r>
+                        <a:rPr lang="en-US" sz="900" dirty="0" smtClean="0"/>
+                        <a:t>5</a:t>
+                      </a:r>
+                      <a:endParaRPr lang="en-US" sz="900" b="1" dirty="0"/>
+                    </a:p>
+                  </a:txBody>
+                  <a:tcPr anchor="ctr"/>
+                </a:tc>
+              </a:tr>
+              <a:tr h="382822">
+                <a:tc vMerge="1">
+                  <a:txBody>
+                    <a:bodyPr/>
+                    <a:lstStyle/>
+                    <a:p>
+                      <a:pPr algn="ctr"/>
+                      <a:endParaRPr lang="en-US" dirty="0"/>
+                    </a:p>
+                  </a:txBody>
+                  <a:tcPr anchor="ctr"/>
+                </a:tc>
+                <a:tc>
+                  <a:txBody>
+                    <a:bodyPr/>
+                    <a:lstStyle/>
+                    <a:p>
+                      <a:pPr algn="ctr"/>
+                      <a:r>
+                        <a:rPr lang="en-US" sz="900" dirty="0" smtClean="0"/>
+                        <a:t>Y’s owner Id</a:t>
+                      </a:r>
+                      <a:endParaRPr lang="en-US" sz="900" b="1" dirty="0">
+                        <a:solidFill>
+                          <a:schemeClr val="bg1"/>
+                        </a:solidFill>
+                      </a:endParaRPr>
+                    </a:p>
+                  </a:txBody>
+                  <a:tcPr anchor="ctr"/>
+                </a:tc>
+                <a:tc>
+                  <a:txBody>
+                    <a:bodyPr/>
+                    <a:lstStyle/>
+                    <a:p>
+                      <a:pPr algn="ctr"/>
+                      <a:r>
+                        <a:rPr lang="en-US" sz="900" dirty="0" smtClean="0"/>
+                        <a:t>743</a:t>
+                      </a:r>
+                      <a:endParaRPr lang="en-US" sz="900" b="1" dirty="0"/>
+                    </a:p>
+                  </a:txBody>
+                  <a:tcPr anchor="ctr"/>
+                </a:tc>
+                <a:tc>
+                  <a:txBody>
+                    <a:bodyPr/>
+                    <a:lstStyle/>
+                    <a:p>
+                      <a:pPr algn="ctr"/>
+                      <a:r>
+                        <a:rPr lang="en-US" sz="900" dirty="0" smtClean="0"/>
+                        <a:t>1772</a:t>
+                      </a:r>
+                      <a:endParaRPr lang="en-US" sz="900" b="1" dirty="0"/>
+                    </a:p>
+                  </a:txBody>
+                  <a:tcPr anchor="ctr"/>
+                </a:tc>
+                <a:tc>
+                  <a:txBody>
+                    <a:bodyPr/>
+                    <a:lstStyle/>
+                    <a:p>
+                      <a:pPr algn="ctr"/>
+                      <a:r>
+                        <a:rPr lang="en-US" sz="900" dirty="0" smtClean="0"/>
+                        <a:t>253</a:t>
+                      </a:r>
+                      <a:endParaRPr lang="en-US" sz="900" b="1" dirty="0"/>
+                    </a:p>
+                  </a:txBody>
+                  <a:tcPr anchor="ctr"/>
+                </a:tc>
+                <a:tc>
+                  <a:txBody>
+                    <a:bodyPr/>
+                    <a:lstStyle/>
+                    <a:p>
+                      <a:pPr algn="ctr"/>
+                      <a:r>
+                        <a:rPr lang="en-US" sz="900" b="1" dirty="0" smtClean="0"/>
+                        <a:t>1772</a:t>
+                      </a:r>
+                      <a:endParaRPr lang="en-US" sz="900" b="1" dirty="0"/>
+                    </a:p>
+                  </a:txBody>
+                  <a:tcPr anchor="ctr"/>
+                </a:tc>
+                <a:tc>
+                  <a:txBody>
+                    <a:bodyPr/>
+                    <a:lstStyle/>
+                    <a:p>
+                      <a:pPr algn="ctr"/>
+                      <a:r>
+                        <a:rPr lang="en-US" sz="900" dirty="0" smtClean="0"/>
+                        <a:t>743</a:t>
+                      </a:r>
+                      <a:endParaRPr lang="en-US" sz="900" b="1" dirty="0"/>
+                    </a:p>
+                  </a:txBody>
+                  <a:tcPr anchor="ctr"/>
+                </a:tc>
+              </a:tr>
+            </a:tbl>
+          </a:graphicData>
+        </a:graphic>
+      </p:graphicFrame>
+      <p:sp>
+        <p:nvSpPr>
+          <p:cNvPr id="20" name="Oval 19"/>
+          <p:cNvSpPr/>
+          <p:nvPr/>
+        </p:nvSpPr>
+        <p:spPr>
+          <a:xfrm>
+            <a:off x="5105400" y="3581400"/>
+            <a:ext cx="457200" cy="762000"/>
+          </a:xfrm>
+          <a:prstGeom prst="ellipse">
+            <a:avLst/>
+          </a:prstGeom>
+          <a:noFill/>
+          <a:ln>
+            <a:solidFill>
+              <a:schemeClr val="tx1"/>
+            </a:solidFill>
+          </a:ln>
+        </p:spPr>
+        <p:style>
+          <a:lnRef idx="2">
+            <a:schemeClr val="accent1">
+              <a:shade val="50000"/>
+            </a:schemeClr>
+          </a:lnRef>
+          <a:fillRef idx="1">
+            <a:schemeClr val="accent1"/>
+          </a:fillRef>
+          <a:effectRef idx="0">
+            <a:schemeClr val="accent1"/>
+          </a:effectRef>
+          <a:fontRef idx="minor">
+            <a:schemeClr val="lt1"/>
+          </a:fontRef>
+        </p:style>
+        <p:txBody>
+          <a:bodyPr rtlCol="0" anchor="ctr"/>
+          <a:lstStyle/>
+          <a:p>
+            <a:pPr algn="ctr"/>
+            <a:endParaRPr lang="en-US"/>
+          </a:p>
+        </p:txBody>
+      </p:sp>
+      <p:cxnSp>
+        <p:nvCxnSpPr>
+          <p:cNvPr id="21" name="Straight Connector 20"/>
+          <p:cNvCxnSpPr>
+            <a:endCxn id="20" idx="0"/>
+          </p:cNvCxnSpPr>
+          <p:nvPr/>
+        </p:nvCxnSpPr>
+        <p:spPr>
+          <a:xfrm>
+            <a:off x="4648200" y="3352800"/>
+            <a:ext cx="685800" cy="228600"/>
+          </a:xfrm>
+          <a:prstGeom prst="line">
+            <a:avLst/>
+          </a:prstGeom>
+          <a:ln w="15875">
+            <a:solidFill>
+              <a:schemeClr val="tx1"/>
+            </a:solidFill>
+          </a:ln>
+        </p:spPr>
+        <p:style>
+          <a:lnRef idx="1">
+            <a:schemeClr val="accent1"/>
+          </a:lnRef>
+          <a:fillRef idx="0">
+            <a:schemeClr val="accent1"/>
+          </a:fillRef>
+          <a:effectRef idx="0">
+            <a:schemeClr val="accent1"/>
+          </a:effectRef>
+          <a:fontRef idx="minor">
+            <a:schemeClr val="tx1"/>
+          </a:fontRef>
+        </p:style>
+      </p:cxnSp>
+    </p:spTree>
+  </p:cSld>
+  <p:clrMapOvr>
+    <a:masterClrMapping/>
+  </p:clrMapOvr>
+  <p:timing>
+    <p:tnLst>
+      <p:par>
+        <p:cTn id="1" dur="indefinite" restart="never" nodeType="tmRoot">
+          <p:childTnLst>
+            <p:seq concurrent="1" nextAc="seek">
+              <p:cTn id="2" dur="indefinite" nodeType="mainSeq">
+                <p:childTnLst>
+                  <p:par>
+                    <p:cTn id="3" fill="hold">
+                      <p:stCondLst>
+                        <p:cond delay="indefinite"/>
+                      </p:stCondLst>
+                      <p:childTnLst>
+                        <p:par>
+                          <p:cTn id="4" fill="hold">
+                            <p:stCondLst>
+                              <p:cond delay="0"/>
+                            </p:stCondLst>
+                            <p:childTnLst>
+                              <p:par>
+                                <p:cTn id="5" presetID="1" presetClass="entr" presetSubtype="0" fill="hold" nodeType="clickEffect">
+                                  <p:stCondLst>
+                                    <p:cond delay="0"/>
+                                  </p:stCondLst>
+                                  <p:childTnLst>
+                                    <p:set>
+                                      <p:cBhvr>
+                                        <p:cTn id="6" dur="1" fill="hold">
+                                          <p:stCondLst>
+                                            <p:cond delay="0"/>
+                                          </p:stCondLst>
+                                        </p:cTn>
+                                        <p:tgtEl>
+                                          <p:spTgt spid="5"/>
+                                        </p:tgtEl>
+                                        <p:attrNameLst>
+                                          <p:attrName>style.visibility</p:attrName>
+                                        </p:attrNameLst>
+                                      </p:cBhvr>
+                                      <p:to>
+                                        <p:strVal val="visible"/>
+                                      </p:to>
+                                    </p:set>
+                                  </p:childTnLst>
+                                </p:cTn>
+                              </p:par>
+                            </p:childTnLst>
+                          </p:cTn>
+                        </p:par>
+                      </p:childTnLst>
+                    </p:cTn>
+                  </p:par>
+                  <p:par>
+                    <p:cTn id="7" fill="hold">
+                      <p:stCondLst>
+                        <p:cond delay="indefinite"/>
+                      </p:stCondLst>
+                      <p:childTnLst>
+                        <p:par>
+                          <p:cTn id="8" fill="hold">
+                            <p:stCondLst>
+                              <p:cond delay="0"/>
+                            </p:stCondLst>
+                            <p:childTnLst>
+                              <p:par>
+                                <p:cTn id="9" presetID="1" presetClass="entr" presetSubtype="0" fill="hold" nodeType="clickEffect">
+                                  <p:stCondLst>
+                                    <p:cond delay="0"/>
+                                  </p:stCondLst>
+                                  <p:childTnLst>
+                                    <p:set>
+                                      <p:cBhvr>
+                                        <p:cTn id="10" dur="1" fill="hold">
+                                          <p:stCondLst>
+                                            <p:cond delay="0"/>
+                                          </p:stCondLst>
+                                        </p:cTn>
+                                        <p:tgtEl>
+                                          <p:spTgt spid="7"/>
                                         </p:tgtEl>
                                         <p:attrNameLst>
                                           <p:attrName>style.visibility</p:attrName>

--- a/trunk/papers/pldi2011/drawings.pptx
+++ b/trunk/papers/pldi2011/drawings.pptx
@@ -4989,31 +4989,16 @@
                         <a:defRPr/>
                       </a:pPr>
                       <a:r>
+                        <a:rPr lang="en-US" sz="900" dirty="0" err="1" smtClean="0"/>
+                        <a:t>baz</a:t>
+                      </a:r>
+                      <a:r>
+                        <a:rPr lang="en-US" sz="900" baseline="0" dirty="0" smtClean="0"/>
+                        <a:t> i</a:t>
+                      </a:r>
+                      <a:r>
                         <a:rPr lang="en-US" sz="900" dirty="0" smtClean="0"/>
-                        <a:t>Y’s</a:t>
-                      </a:r>
-                    </a:p>
-                    <a:p>
-                      <a:pPr marL="0" marR="0" indent="0" algn="ctr" defTabSz="914400" rtl="0" eaLnBrk="1" fontAlgn="auto" latinLnBrk="0" hangingPunct="1">
-                        <a:lnSpc>
-                          <a:spcPct val="100000"/>
-                        </a:lnSpc>
-                        <a:spcBef>
-                          <a:spcPts val="0"/>
-                        </a:spcBef>
-                        <a:spcAft>
-                          <a:spcPts val="0"/>
-                        </a:spcAft>
-                        <a:buClrTx/>
-                        <a:buSzTx/>
-                        <a:buFontTx/>
-                        <a:buNone/>
-                        <a:tabLst/>
-                        <a:defRPr/>
-                      </a:pPr>
-                      <a:r>
-                        <a:rPr lang="en-US" sz="900" dirty="0" smtClean="0"/>
-                        <a:t>Owner Id</a:t>
+                        <a:t>d</a:t>
                       </a:r>
                       <a:endParaRPr lang="en-US" sz="900" b="1" dirty="0" smtClean="0">
                         <a:solidFill>

--- a/trunk/papers/pldi2011/drawings.pptx
+++ b/trunk/papers/pldi2011/drawings.pptx
@@ -292,7 +292,7 @@
             <a:fld id="{1D8BD707-D9CF-40AE-B4C6-C98DA3205C09}" type="datetimeFigureOut">
               <a:rPr lang="en-US" smtClean="0"/>
               <a:pPr/>
-              <a:t>10/13/2010</a:t>
+              <a:t>10/18/2010</a:t>
             </a:fld>
             <a:endParaRPr lang="en-US"/>
           </a:p>
@@ -459,7 +459,7 @@
             <a:fld id="{1D8BD707-D9CF-40AE-B4C6-C98DA3205C09}" type="datetimeFigureOut">
               <a:rPr lang="en-US" smtClean="0"/>
               <a:pPr/>
-              <a:t>10/13/2010</a:t>
+              <a:t>10/18/2010</a:t>
             </a:fld>
             <a:endParaRPr lang="en-US"/>
           </a:p>
@@ -636,7 +636,7 @@
             <a:fld id="{1D8BD707-D9CF-40AE-B4C6-C98DA3205C09}" type="datetimeFigureOut">
               <a:rPr lang="en-US" smtClean="0"/>
               <a:pPr/>
-              <a:t>10/13/2010</a:t>
+              <a:t>10/18/2010</a:t>
             </a:fld>
             <a:endParaRPr lang="en-US"/>
           </a:p>
@@ -803,7 +803,7 @@
             <a:fld id="{1D8BD707-D9CF-40AE-B4C6-C98DA3205C09}" type="datetimeFigureOut">
               <a:rPr lang="en-US" smtClean="0"/>
               <a:pPr/>
-              <a:t>10/13/2010</a:t>
+              <a:t>10/18/2010</a:t>
             </a:fld>
             <a:endParaRPr lang="en-US"/>
           </a:p>
@@ -1046,7 +1046,7 @@
             <a:fld id="{1D8BD707-D9CF-40AE-B4C6-C98DA3205C09}" type="datetimeFigureOut">
               <a:rPr lang="en-US" smtClean="0"/>
               <a:pPr/>
-              <a:t>10/13/2010</a:t>
+              <a:t>10/18/2010</a:t>
             </a:fld>
             <a:endParaRPr lang="en-US"/>
           </a:p>
@@ -1331,7 +1331,7 @@
             <a:fld id="{1D8BD707-D9CF-40AE-B4C6-C98DA3205C09}" type="datetimeFigureOut">
               <a:rPr lang="en-US" smtClean="0"/>
               <a:pPr/>
-              <a:t>10/13/2010</a:t>
+              <a:t>10/18/2010</a:t>
             </a:fld>
             <a:endParaRPr lang="en-US"/>
           </a:p>
@@ -1750,7 +1750,7 @@
             <a:fld id="{1D8BD707-D9CF-40AE-B4C6-C98DA3205C09}" type="datetimeFigureOut">
               <a:rPr lang="en-US" smtClean="0"/>
               <a:pPr/>
-              <a:t>10/13/2010</a:t>
+              <a:t>10/18/2010</a:t>
             </a:fld>
             <a:endParaRPr lang="en-US"/>
           </a:p>
@@ -1865,7 +1865,7 @@
             <a:fld id="{1D8BD707-D9CF-40AE-B4C6-C98DA3205C09}" type="datetimeFigureOut">
               <a:rPr lang="en-US" smtClean="0"/>
               <a:pPr/>
-              <a:t>10/13/2010</a:t>
+              <a:t>10/18/2010</a:t>
             </a:fld>
             <a:endParaRPr lang="en-US"/>
           </a:p>
@@ -1957,7 +1957,7 @@
             <a:fld id="{1D8BD707-D9CF-40AE-B4C6-C98DA3205C09}" type="datetimeFigureOut">
               <a:rPr lang="en-US" smtClean="0"/>
               <a:pPr/>
-              <a:t>10/13/2010</a:t>
+              <a:t>10/18/2010</a:t>
             </a:fld>
             <a:endParaRPr lang="en-US"/>
           </a:p>
@@ -2231,7 +2231,7 @@
             <a:fld id="{1D8BD707-D9CF-40AE-B4C6-C98DA3205C09}" type="datetimeFigureOut">
               <a:rPr lang="en-US" smtClean="0"/>
               <a:pPr/>
-              <a:t>10/13/2010</a:t>
+              <a:t>10/18/2010</a:t>
             </a:fld>
             <a:endParaRPr lang="en-US"/>
           </a:p>
@@ -2481,7 +2481,7 @@
             <a:fld id="{1D8BD707-D9CF-40AE-B4C6-C98DA3205C09}" type="datetimeFigureOut">
               <a:rPr lang="en-US" smtClean="0"/>
               <a:pPr/>
-              <a:t>10/13/2010</a:t>
+              <a:t>10/18/2010</a:t>
             </a:fld>
             <a:endParaRPr lang="en-US"/>
           </a:p>
@@ -2691,7 +2691,7 @@
             <a:fld id="{1D8BD707-D9CF-40AE-B4C6-C98DA3205C09}" type="datetimeFigureOut">
               <a:rPr lang="en-US" smtClean="0"/>
               <a:pPr/>
-              <a:t>10/13/2010</a:t>
+              <a:t>10/18/2010</a:t>
             </a:fld>
             <a:endParaRPr lang="en-US"/>
           </a:p>
@@ -3718,6 +3718,54 @@
           <a:chExt cx="0" cy="0"/>
         </a:xfrm>
       </p:grpSpPr>
+      <p:sp>
+        <p:nvSpPr>
+          <p:cNvPr id="7" name="Rectangle 6"/>
+          <p:cNvSpPr/>
+          <p:nvPr/>
+        </p:nvSpPr>
+        <p:spPr>
+          <a:xfrm>
+            <a:off x="5105400" y="2209800"/>
+            <a:ext cx="457200" cy="685800"/>
+          </a:xfrm>
+          <a:prstGeom prst="rect">
+            <a:avLst/>
+          </a:prstGeom>
+          <a:solidFill>
+            <a:srgbClr val="FFFF00">
+              <a:alpha val="50000"/>
+            </a:srgbClr>
+          </a:solidFill>
+          <a:ln>
+            <a:noFill/>
+          </a:ln>
+        </p:spPr>
+        <p:style>
+          <a:lnRef idx="2">
+            <a:schemeClr val="accent1">
+              <a:shade val="50000"/>
+            </a:schemeClr>
+          </a:lnRef>
+          <a:fillRef idx="1">
+            <a:schemeClr val="accent1"/>
+          </a:fillRef>
+          <a:effectRef idx="0">
+            <a:schemeClr val="accent1"/>
+          </a:effectRef>
+          <a:fontRef idx="minor">
+            <a:schemeClr val="lt1"/>
+          </a:fontRef>
+        </p:style>
+        <p:txBody>
+          <a:bodyPr rtlCol="0" anchor="ctr"/>
+          <a:lstStyle/>
+          <a:p>
+            <a:pPr algn="ctr"/>
+            <a:endParaRPr lang="en-US"/>
+          </a:p>
+        </p:txBody>
+      </p:sp>
       <p:graphicFrame>
         <p:nvGraphicFramePr>
           <p:cNvPr id="5" name="Table 4"/>
@@ -3983,7 +4031,7 @@
         </p:nvSpPr>
         <p:spPr>
           <a:xfrm>
-            <a:off x="3352800" y="3091190"/>
+            <a:off x="3352800" y="1871990"/>
             <a:ext cx="2590800" cy="261610"/>
           </a:xfrm>
           <a:prstGeom prst="rect">
@@ -4004,15 +4052,7 @@
           <a:p>
             <a:r>
               <a:rPr lang="en-US" sz="1100" b="1" dirty="0" smtClean="0"/>
-              <a:t>bar </a:t>
-            </a:r>
-            <a:r>
-              <a:rPr lang="en-US" sz="1100" b="1" dirty="0" smtClean="0"/>
-              <a:t>id at the reproduction point </a:t>
-            </a:r>
-            <a:r>
-              <a:rPr lang="en-US" sz="1100" b="1" dirty="0" smtClean="0"/>
-              <a:t>: 1010</a:t>
+              <a:t>bar id at the reproduction point : 1010</a:t>
             </a:r>
             <a:endParaRPr lang="en-US" sz="1100" b="1" dirty="0"/>
           </a:p>
@@ -4021,13 +4061,15 @@
       <p:cxnSp>
         <p:nvCxnSpPr>
           <p:cNvPr id="11" name="Straight Connector 10"/>
-          <p:cNvCxnSpPr/>
+          <p:cNvCxnSpPr>
+            <a:stCxn id="12" idx="0"/>
+          </p:cNvCxnSpPr>
           <p:nvPr/>
         </p:nvCxnSpPr>
         <p:spPr>
-          <a:xfrm rot="16200000" flipV="1">
-            <a:off x="5372100" y="2976890"/>
-            <a:ext cx="152400" cy="76200"/>
+          <a:xfrm rot="5400000" flipH="1" flipV="1">
+            <a:off x="5334000" y="2133600"/>
+            <a:ext cx="381000" cy="381000"/>
           </a:xfrm>
           <a:prstGeom prst="line">
             <a:avLst/>
@@ -4061,8 +4103,8 @@
         </p:nvSpPr>
         <p:spPr>
           <a:xfrm>
-            <a:off x="5105400" y="2133600"/>
-            <a:ext cx="457200" cy="838200"/>
+            <a:off x="5105400" y="2514600"/>
+            <a:ext cx="457200" cy="381000"/>
           </a:xfrm>
           <a:prstGeom prst="ellipse">
             <a:avLst/>
@@ -4099,6 +4141,203 @@
           </a:p>
         </p:txBody>
       </p:sp>
+      <p:graphicFrame>
+        <p:nvGraphicFramePr>
+          <p:cNvPr id="19" name="Table 18"/>
+          <p:cNvGraphicFramePr>
+            <a:graphicFrameLocks noGrp="1"/>
+          </p:cNvGraphicFramePr>
+          <p:nvPr/>
+        </p:nvGraphicFramePr>
+        <p:xfrm>
+          <a:off x="4419600" y="3124200"/>
+          <a:ext cx="1524000" cy="701040"/>
+        </p:xfrm>
+        <a:graphic>
+          <a:graphicData uri="http://schemas.openxmlformats.org/drawingml/2006/table">
+            <a:tbl>
+              <a:tblPr bandRow="1">
+                <a:tableStyleId>{616DA210-FB5B-4158-B5E0-FEB733F419BA}</a:tableStyleId>
+              </a:tblPr>
+              <a:tblGrid>
+                <a:gridCol w="304800"/>
+                <a:gridCol w="1219200"/>
+              </a:tblGrid>
+              <a:tr h="533400">
+                <a:tc>
+                  <a:txBody>
+                    <a:bodyPr/>
+                    <a:lstStyle/>
+                    <a:p>
+                      <a:pPr algn="ctr"/>
+                      <a:r>
+                        <a:rPr lang="en-US" sz="1000" b="0" dirty="0" smtClean="0"/>
+                        <a:t>Call Stack</a:t>
+                      </a:r>
+                    </a:p>
+                  </a:txBody>
+                  <a:tcPr vert="vert270" anchor="ctr">
+                    <a:solidFill>
+                      <a:schemeClr val="bg1">
+                        <a:alpha val="20000"/>
+                      </a:schemeClr>
+                    </a:solidFill>
+                  </a:tcPr>
+                </a:tc>
+                <a:tc>
+                  <a:txBody>
+                    <a:bodyPr/>
+                    <a:lstStyle/>
+                    <a:p>
+                      <a:pPr algn="ctr"/>
+                      <a:r>
+                        <a:rPr lang="en-US" sz="1000" dirty="0" smtClean="0"/>
+                        <a:t>panel.js, 505</a:t>
+                      </a:r>
+                    </a:p>
+                    <a:p>
+                      <a:pPr algn="ctr"/>
+                      <a:r>
+                        <a:rPr lang="en-US" sz="1000" dirty="0" smtClean="0"/>
+                        <a:t>dispatcher.js, 44</a:t>
+                      </a:r>
+                    </a:p>
+                    <a:p>
+                      <a:pPr marL="0" marR="0" indent="0" algn="ctr" defTabSz="914400" rtl="0" eaLnBrk="1" fontAlgn="auto" latinLnBrk="0" hangingPunct="1">
+                        <a:lnSpc>
+                          <a:spcPct val="100000"/>
+                        </a:lnSpc>
+                        <a:spcBef>
+                          <a:spcPts val="0"/>
+                        </a:spcBef>
+                        <a:spcAft>
+                          <a:spcPts val="0"/>
+                        </a:spcAft>
+                        <a:buClrTx/>
+                        <a:buSzTx/>
+                        <a:buFontTx/>
+                        <a:buNone/>
+                        <a:tabLst/>
+                        <a:defRPr/>
+                      </a:pPr>
+                      <a:r>
+                        <a:rPr lang="en-US" sz="1000" b="1" dirty="0" smtClean="0"/>
+                        <a:t>….</a:t>
+                      </a:r>
+                      <a:endParaRPr lang="en-US" sz="1000" dirty="0" smtClean="0"/>
+                    </a:p>
+                    <a:p>
+                      <a:pPr marL="0" marR="0" indent="0" algn="ctr" defTabSz="914400" rtl="0" eaLnBrk="1" fontAlgn="auto" latinLnBrk="0" hangingPunct="1">
+                        <a:lnSpc>
+                          <a:spcPct val="100000"/>
+                        </a:lnSpc>
+                        <a:spcBef>
+                          <a:spcPts val="0"/>
+                        </a:spcBef>
+                        <a:spcAft>
+                          <a:spcPts val="0"/>
+                        </a:spcAft>
+                        <a:buClrTx/>
+                        <a:buSzTx/>
+                        <a:buFontTx/>
+                        <a:buNone/>
+                        <a:tabLst/>
+                        <a:defRPr/>
+                      </a:pPr>
+                      <a:r>
+                        <a:rPr lang="en-US" sz="1000" b="0" dirty="0" smtClean="0"/>
+                        <a:t>Index.html,</a:t>
+                      </a:r>
+                      <a:r>
+                        <a:rPr lang="en-US" sz="1000" b="0" baseline="0" dirty="0" smtClean="0"/>
+                        <a:t> 103</a:t>
+                      </a:r>
+                      <a:endParaRPr lang="en-US" sz="1000" b="0" dirty="0" smtClean="0"/>
+                    </a:p>
+                  </a:txBody>
+                  <a:tcPr anchor="ctr">
+                    <a:solidFill>
+                      <a:schemeClr val="bg1">
+                        <a:alpha val="20000"/>
+                      </a:schemeClr>
+                    </a:solidFill>
+                  </a:tcPr>
+                </a:tc>
+              </a:tr>
+            </a:tbl>
+          </a:graphicData>
+        </a:graphic>
+      </p:graphicFrame>
+      <p:cxnSp>
+        <p:nvCxnSpPr>
+          <p:cNvPr id="23" name="Straight Connector 22"/>
+          <p:cNvCxnSpPr/>
+          <p:nvPr/>
+        </p:nvCxnSpPr>
+        <p:spPr>
+          <a:xfrm rot="10800000" flipV="1">
+            <a:off x="4419600" y="2895600"/>
+            <a:ext cx="685800" cy="228600"/>
+          </a:xfrm>
+          <a:prstGeom prst="line">
+            <a:avLst/>
+          </a:prstGeom>
+          <a:ln>
+            <a:solidFill>
+              <a:schemeClr val="tx1"/>
+            </a:solidFill>
+          </a:ln>
+        </p:spPr>
+        <p:style>
+          <a:lnRef idx="1">
+            <a:schemeClr val="accent1"/>
+          </a:lnRef>
+          <a:fillRef idx="0">
+            <a:schemeClr val="accent1"/>
+          </a:fillRef>
+          <a:effectRef idx="0">
+            <a:schemeClr val="accent1"/>
+          </a:effectRef>
+          <a:fontRef idx="minor">
+            <a:schemeClr val="tx1"/>
+          </a:fontRef>
+        </p:style>
+      </p:cxnSp>
+      <p:cxnSp>
+        <p:nvCxnSpPr>
+          <p:cNvPr id="24" name="Straight Connector 23"/>
+          <p:cNvCxnSpPr/>
+          <p:nvPr/>
+        </p:nvCxnSpPr>
+        <p:spPr>
+          <a:xfrm>
+            <a:off x="5562600" y="2895600"/>
+            <a:ext cx="381000" cy="228600"/>
+          </a:xfrm>
+          <a:prstGeom prst="line">
+            <a:avLst/>
+          </a:prstGeom>
+          <a:ln>
+            <a:solidFill>
+              <a:schemeClr val="tx1"/>
+            </a:solidFill>
+          </a:ln>
+        </p:spPr>
+        <p:style>
+          <a:lnRef idx="1">
+            <a:schemeClr val="accent1"/>
+          </a:lnRef>
+          <a:fillRef idx="0">
+            <a:schemeClr val="accent1"/>
+          </a:fillRef>
+          <a:effectRef idx="0">
+            <a:schemeClr val="accent1"/>
+          </a:effectRef>
+          <a:fontRef idx="minor">
+            <a:schemeClr val="tx1"/>
+          </a:fontRef>
+        </p:style>
+      </p:cxnSp>
     </p:spTree>
   </p:cSld>
   <p:clrMapOvr>
@@ -4139,6 +4378,51 @@
                                         </p:cTn>
                                         <p:tgtEl>
                                           <p:spTgt spid="5"/>
+                                        </p:tgtEl>
+                                        <p:attrNameLst>
+                                          <p:attrName>style.visibility</p:attrName>
+                                        </p:attrNameLst>
+                                      </p:cBhvr>
+                                      <p:to>
+                                        <p:strVal val="visible"/>
+                                      </p:to>
+                                    </p:set>
+                                  </p:childTnLst>
+                                </p:cTn>
+                              </p:par>
+                            </p:childTnLst>
+                          </p:cTn>
+                        </p:par>
+                      </p:childTnLst>
+                    </p:cTn>
+                  </p:par>
+                  <p:par>
+                    <p:cTn id="7" fill="hold">
+                      <p:stCondLst>
+                        <p:cond delay="indefinite"/>
+                      </p:stCondLst>
+                      <p:childTnLst>
+                        <p:par>
+                          <p:cTn id="8" fill="hold">
+                            <p:stCondLst>
+                              <p:cond delay="0"/>
+                            </p:stCondLst>
+                            <p:childTnLst>
+                              <p:par>
+                                <p:cTn id="9" presetID="1" presetClass="entr" presetSubtype="0" fill="hold" nodeType="clickEffect">
+                                  <p:stCondLst>
+                                    <p:cond delay="0"/>
+                                  </p:stCondLst>
+                                  <p:childTnLst>
+                                    <p:set>
+                                      <p:cBhvr>
+                                        <p:cTn id="10" dur="1" fill="hold">
+                                          <p:stCondLst>
+                                            <p:cond delay="0"/>
+                                          </p:stCondLst>
+                                        </p:cTn>
+                                        <p:tgtEl>
+                                          <p:spTgt spid="19"/>
                                         </p:tgtEl>
                                         <p:attrNameLst>
                                           <p:attrName>style.visibility</p:attrName>
@@ -4199,6 +4483,54 @@
           <a:chExt cx="0" cy="0"/>
         </a:xfrm>
       </p:grpSpPr>
+      <p:sp>
+        <p:nvSpPr>
+          <p:cNvPr id="7" name="Rectangle 6"/>
+          <p:cNvSpPr/>
+          <p:nvPr/>
+        </p:nvSpPr>
+        <p:spPr>
+          <a:xfrm>
+            <a:off x="4191000" y="2209800"/>
+            <a:ext cx="457200" cy="685800"/>
+          </a:xfrm>
+          <a:prstGeom prst="rect">
+            <a:avLst/>
+          </a:prstGeom>
+          <a:solidFill>
+            <a:srgbClr val="FFFF00">
+              <a:alpha val="50000"/>
+            </a:srgbClr>
+          </a:solidFill>
+          <a:ln>
+            <a:noFill/>
+          </a:ln>
+        </p:spPr>
+        <p:style>
+          <a:lnRef idx="2">
+            <a:schemeClr val="accent1">
+              <a:shade val="50000"/>
+            </a:schemeClr>
+          </a:lnRef>
+          <a:fillRef idx="1">
+            <a:schemeClr val="accent1"/>
+          </a:fillRef>
+          <a:effectRef idx="0">
+            <a:schemeClr val="accent1"/>
+          </a:effectRef>
+          <a:fontRef idx="minor">
+            <a:schemeClr val="lt1"/>
+          </a:fontRef>
+        </p:style>
+        <p:txBody>
+          <a:bodyPr rtlCol="0" anchor="ctr"/>
+          <a:lstStyle/>
+          <a:p>
+            <a:pPr algn="ctr"/>
+            <a:endParaRPr lang="en-US"/>
+          </a:p>
+        </p:txBody>
+      </p:sp>
       <p:graphicFrame>
         <p:nvGraphicFramePr>
           <p:cNvPr id="5" name="Table 4"/>
@@ -4208,7 +4540,7 @@
           <p:nvPr/>
         </p:nvGraphicFramePr>
         <p:xfrm>
-          <a:off x="2743199" y="2243394"/>
+          <a:off x="2743199" y="2209800"/>
           <a:ext cx="3276600" cy="665624"/>
         </p:xfrm>
         <a:graphic>
@@ -4239,11 +4571,7 @@
                       </a:r>
                       <a:r>
                         <a:rPr lang="en-US" sz="1000" baseline="0" dirty="0" smtClean="0"/>
-                        <a:t> </a:t>
-                      </a:r>
-                      <a:r>
-                        <a:rPr lang="en-US" sz="1000" baseline="0" dirty="0" smtClean="0"/>
-                        <a:t>changes</a:t>
+                        <a:t> changes</a:t>
                       </a:r>
                       <a:endParaRPr lang="en-US" sz="1000" b="1" dirty="0" smtClean="0">
                         <a:solidFill>
@@ -4468,7 +4796,7 @@
         </p:nvSpPr>
         <p:spPr>
           <a:xfrm>
-            <a:off x="2895600" y="3091190"/>
+            <a:off x="2895600" y="1795790"/>
             <a:ext cx="3048000" cy="261610"/>
           </a:xfrm>
           <a:prstGeom prst="rect">
@@ -4489,15 +4817,7 @@
           <a:p>
             <a:r>
               <a:rPr lang="en-US" sz="1100" b="1" dirty="0" smtClean="0"/>
-              <a:t>Variable’s scope id at the reproduction point </a:t>
-            </a:r>
-            <a:r>
-              <a:rPr lang="en-US" sz="1100" b="1" dirty="0" smtClean="0"/>
-              <a:t>: </a:t>
-            </a:r>
-            <a:r>
-              <a:rPr lang="en-US" sz="1100" b="1" dirty="0" smtClean="0"/>
-              <a:t>55</a:t>
+              <a:t>Variable’s scope id at the reproduction point : 55</a:t>
             </a:r>
             <a:endParaRPr lang="en-US" sz="1100" b="1" dirty="0"/>
           </a:p>
@@ -4507,14 +4827,14 @@
         <p:nvCxnSpPr>
           <p:cNvPr id="11" name="Straight Connector 10"/>
           <p:cNvCxnSpPr>
-            <a:endCxn id="12" idx="5"/>
+            <a:endCxn id="12" idx="7"/>
           </p:cNvCxnSpPr>
           <p:nvPr/>
         </p:nvCxnSpPr>
         <p:spPr>
-          <a:xfrm rot="10800000">
-            <a:off x="4581246" y="2849050"/>
-            <a:ext cx="905155" cy="242141"/>
+          <a:xfrm rot="10800000" flipV="1">
+            <a:off x="4581246" y="2057400"/>
+            <a:ext cx="1057555" cy="473972"/>
           </a:xfrm>
           <a:prstGeom prst="line">
             <a:avLst/>
@@ -4548,8 +4868,8 @@
         </p:nvSpPr>
         <p:spPr>
           <a:xfrm>
-            <a:off x="4191000" y="2133600"/>
-            <a:ext cx="457200" cy="838200"/>
+            <a:off x="4191000" y="2468880"/>
+            <a:ext cx="457200" cy="426720"/>
           </a:xfrm>
           <a:prstGeom prst="ellipse">
             <a:avLst/>
@@ -4686,6 +5006,104 @@
           <a:chExt cx="0" cy="0"/>
         </a:xfrm>
       </p:grpSpPr>
+      <p:sp>
+        <p:nvSpPr>
+          <p:cNvPr id="31" name="Rectangle 30"/>
+          <p:cNvSpPr/>
+          <p:nvPr/>
+        </p:nvSpPr>
+        <p:spPr>
+          <a:xfrm>
+            <a:off x="5105400" y="3581400"/>
+            <a:ext cx="457200" cy="762000"/>
+          </a:xfrm>
+          <a:prstGeom prst="rect">
+            <a:avLst/>
+          </a:prstGeom>
+          <a:solidFill>
+            <a:srgbClr val="FFFF00">
+              <a:alpha val="50000"/>
+            </a:srgbClr>
+          </a:solidFill>
+          <a:ln>
+            <a:noFill/>
+          </a:ln>
+        </p:spPr>
+        <p:style>
+          <a:lnRef idx="2">
+            <a:schemeClr val="accent1">
+              <a:shade val="50000"/>
+            </a:schemeClr>
+          </a:lnRef>
+          <a:fillRef idx="1">
+            <a:schemeClr val="accent1"/>
+          </a:fillRef>
+          <a:effectRef idx="0">
+            <a:schemeClr val="accent1"/>
+          </a:effectRef>
+          <a:fontRef idx="minor">
+            <a:schemeClr val="lt1"/>
+          </a:fontRef>
+        </p:style>
+        <p:txBody>
+          <a:bodyPr rtlCol="0" anchor="ctr"/>
+          <a:lstStyle/>
+          <a:p>
+            <a:pPr algn="ctr"/>
+            <a:endParaRPr lang="en-US"/>
+          </a:p>
+        </p:txBody>
+      </p:sp>
+      <p:sp>
+        <p:nvSpPr>
+          <p:cNvPr id="30" name="Rectangle 29"/>
+          <p:cNvSpPr/>
+          <p:nvPr/>
+        </p:nvSpPr>
+        <p:spPr>
+          <a:xfrm>
+            <a:off x="4389120" y="2209800"/>
+            <a:ext cx="533400" cy="1143000"/>
+          </a:xfrm>
+          <a:prstGeom prst="rect">
+            <a:avLst/>
+          </a:prstGeom>
+          <a:solidFill>
+            <a:srgbClr val="FFFF00">
+              <a:alpha val="50000"/>
+            </a:srgbClr>
+          </a:solidFill>
+          <a:ln>
+            <a:solidFill>
+              <a:schemeClr val="bg1"/>
+            </a:solidFill>
+          </a:ln>
+        </p:spPr>
+        <p:style>
+          <a:lnRef idx="2">
+            <a:schemeClr val="accent1">
+              <a:shade val="50000"/>
+            </a:schemeClr>
+          </a:lnRef>
+          <a:fillRef idx="1">
+            <a:schemeClr val="accent1"/>
+          </a:fillRef>
+          <a:effectRef idx="0">
+            <a:schemeClr val="accent1"/>
+          </a:effectRef>
+          <a:fontRef idx="minor">
+            <a:schemeClr val="lt1"/>
+          </a:fontRef>
+        </p:style>
+        <p:txBody>
+          <a:bodyPr rtlCol="0" anchor="ctr"/>
+          <a:lstStyle/>
+          <a:p>
+            <a:pPr algn="ctr"/>
+            <a:endParaRPr lang="en-US"/>
+          </a:p>
+        </p:txBody>
+      </p:sp>
       <p:graphicFrame>
         <p:nvGraphicFramePr>
           <p:cNvPr id="5" name="Table 4"/>
@@ -4695,8 +5113,8 @@
           <p:nvPr/>
         </p:nvGraphicFramePr>
         <p:xfrm>
-          <a:off x="2743199" y="2243395"/>
-          <a:ext cx="3200402" cy="1075076"/>
+          <a:off x="2743199" y="2209800"/>
+          <a:ext cx="3200402" cy="1109406"/>
         </p:xfrm>
         <a:graphic>
           <a:graphicData uri="http://schemas.openxmlformats.org/drawingml/2006/table">
@@ -4712,7 +5130,7 @@
                 <a:gridCol w="518984"/>
                 <a:gridCol w="518984"/>
               </a:tblGrid>
-              <a:tr h="186729">
+              <a:tr h="235900">
                 <a:tc rowSpan="3">
                   <a:txBody>
                     <a:bodyPr/>
@@ -4819,7 +5237,7 @@
                   <a:tcPr anchor="ctr"/>
                 </a:tc>
               </a:tr>
-              <a:tr h="410803">
+              <a:tr h="423921">
                 <a:tc vMerge="1">
                   <a:txBody>
                     <a:bodyPr/>
@@ -4950,7 +5368,7 @@
                   <a:tcPr anchor="ctr"/>
                 </a:tc>
               </a:tr>
-              <a:tr h="435673">
+              <a:tr h="449585">
                 <a:tc vMerge="1">
                   <a:txBody>
                     <a:bodyPr/>
@@ -5164,7 +5582,7 @@
         </p:nvSpPr>
         <p:spPr>
           <a:xfrm>
-            <a:off x="3429000" y="1719590"/>
+            <a:off x="3429000" y="1795790"/>
             <a:ext cx="2514600" cy="261610"/>
           </a:xfrm>
           <a:prstGeom prst="rect">
@@ -5185,15 +5603,7 @@
           <a:p>
             <a:r>
               <a:rPr lang="en-US" sz="1100" b="1" dirty="0" smtClean="0"/>
-              <a:t>bar id at the reproduction point  </a:t>
-            </a:r>
-            <a:r>
-              <a:rPr lang="en-US" sz="1100" b="1" dirty="0" smtClean="0"/>
-              <a:t>: </a:t>
-            </a:r>
-            <a:r>
-              <a:rPr lang="en-US" sz="1100" b="1" dirty="0" smtClean="0"/>
-              <a:t>3801</a:t>
+              <a:t>bar id at the reproduction point  : 3801</a:t>
             </a:r>
             <a:endParaRPr lang="en-US" sz="1100" b="1" dirty="0"/>
           </a:p>
@@ -5203,15 +5613,14 @@
         <p:nvCxnSpPr>
           <p:cNvPr id="11" name="Straight Connector 10"/>
           <p:cNvCxnSpPr>
-            <a:stCxn id="6" idx="2"/>
-            <a:endCxn id="12" idx="0"/>
+            <a:endCxn id="24" idx="7"/>
           </p:cNvCxnSpPr>
           <p:nvPr/>
         </p:nvCxnSpPr>
         <p:spPr>
-          <a:xfrm rot="5400000">
-            <a:off x="4552950" y="2076450"/>
-            <a:ext cx="228600" cy="38100"/>
+          <a:xfrm rot="10800000" flipV="1">
+            <a:off x="4809846" y="2057399"/>
+            <a:ext cx="676555" cy="447955"/>
           </a:xfrm>
           <a:prstGeom prst="line">
             <a:avLst/>
@@ -5245,8 +5654,8 @@
         </p:nvSpPr>
         <p:spPr>
           <a:xfrm>
-            <a:off x="4419600" y="2209800"/>
-            <a:ext cx="457200" cy="1143000"/>
+            <a:off x="4419600" y="2895600"/>
+            <a:ext cx="457200" cy="457200"/>
           </a:xfrm>
           <a:prstGeom prst="ellipse">
             <a:avLst/>
@@ -5551,8 +5960,8 @@
         </p:nvSpPr>
         <p:spPr>
           <a:xfrm>
-            <a:off x="5105400" y="3581400"/>
-            <a:ext cx="457200" cy="762000"/>
+            <a:off x="5105400" y="3886200"/>
+            <a:ext cx="457200" cy="457200"/>
           </a:xfrm>
           <a:prstGeom prst="ellipse">
             <a:avLst/>
@@ -5593,14 +6002,15 @@
         <p:nvCxnSpPr>
           <p:cNvPr id="21" name="Straight Connector 20"/>
           <p:cNvCxnSpPr>
+            <a:stCxn id="12" idx="5"/>
             <a:endCxn id="20" idx="0"/>
           </p:cNvCxnSpPr>
           <p:nvPr/>
         </p:nvCxnSpPr>
         <p:spPr>
-          <a:xfrm>
-            <a:off x="4648200" y="3352800"/>
-            <a:ext cx="685800" cy="228600"/>
+          <a:xfrm rot="16200000" flipH="1">
+            <a:off x="4771745" y="3323944"/>
+            <a:ext cx="600355" cy="524155"/>
           </a:xfrm>
           <a:prstGeom prst="line">
             <a:avLst/>
@@ -5626,6 +6036,52 @@
           </a:fontRef>
         </p:style>
       </p:cxnSp>
+      <p:sp>
+        <p:nvSpPr>
+          <p:cNvPr id="24" name="Oval 23"/>
+          <p:cNvSpPr/>
+          <p:nvPr/>
+        </p:nvSpPr>
+        <p:spPr>
+          <a:xfrm>
+            <a:off x="4419600" y="2438400"/>
+            <a:ext cx="457200" cy="457200"/>
+          </a:xfrm>
+          <a:prstGeom prst="ellipse">
+            <a:avLst/>
+          </a:prstGeom>
+          <a:noFill/>
+          <a:ln>
+            <a:solidFill>
+              <a:schemeClr val="tx1"/>
+            </a:solidFill>
+          </a:ln>
+        </p:spPr>
+        <p:style>
+          <a:lnRef idx="2">
+            <a:schemeClr val="accent1">
+              <a:shade val="50000"/>
+            </a:schemeClr>
+          </a:lnRef>
+          <a:fillRef idx="1">
+            <a:schemeClr val="accent1"/>
+          </a:fillRef>
+          <a:effectRef idx="0">
+            <a:schemeClr val="accent1"/>
+          </a:effectRef>
+          <a:fontRef idx="minor">
+            <a:schemeClr val="lt1"/>
+          </a:fontRef>
+        </p:style>
+        <p:txBody>
+          <a:bodyPr rtlCol="0" anchor="ctr"/>
+          <a:lstStyle/>
+          <a:p>
+            <a:pPr algn="ctr"/>
+            <a:endParaRPr lang="en-US"/>
+          </a:p>
+        </p:txBody>
+      </p:sp>
     </p:spTree>
   </p:cSld>
   <p:clrMapOvr>

--- a/trunk/papers/pldi2011/drawings.pptx
+++ b/trunk/papers/pldi2011/drawings.pptx
@@ -4816,8 +4816,16 @@
           <a:lstStyle/>
           <a:p>
             <a:r>
+              <a:rPr lang="en-US" sz="1100" b="1" dirty="0" err="1" smtClean="0"/>
+              <a:t>foo’s</a:t>
+            </a:r>
+            <a:r>
               <a:rPr lang="en-US" sz="1100" b="1" dirty="0" smtClean="0"/>
-              <a:t>Variable’s scope id at the reproduction point : 55</a:t>
+              <a:t> scope </a:t>
+            </a:r>
+            <a:r>
+              <a:rPr lang="en-US" sz="1100" b="1" dirty="0" smtClean="0"/>
+              <a:t>id at the reproduction point : 55</a:t>
             </a:r>
             <a:endParaRPr lang="en-US" sz="1100" b="1" dirty="0"/>
           </a:p>

--- a/trunk/papers/pldi2011/drawings.pptx
+++ b/trunk/papers/pldi2011/drawings.pptx
@@ -4061,15 +4061,13 @@
       <p:cxnSp>
         <p:nvCxnSpPr>
           <p:cNvPr id="11" name="Straight Connector 10"/>
-          <p:cNvCxnSpPr>
-            <a:stCxn id="12" idx="0"/>
-          </p:cNvCxnSpPr>
+          <p:cNvCxnSpPr/>
           <p:nvPr/>
         </p:nvCxnSpPr>
         <p:spPr>
           <a:xfrm rot="5400000" flipH="1" flipV="1">
-            <a:off x="5334000" y="2133600"/>
-            <a:ext cx="381000" cy="381000"/>
+            <a:off x="5257800" y="2286000"/>
+            <a:ext cx="381000" cy="76200"/>
           </a:xfrm>
           <a:prstGeom prst="line">
             <a:avLst/>
@@ -4103,8 +4101,8 @@
         </p:nvSpPr>
         <p:spPr>
           <a:xfrm>
-            <a:off x="5105400" y="2514600"/>
-            <a:ext cx="457200" cy="381000"/>
+            <a:off x="5138928" y="2514600"/>
+            <a:ext cx="384048" cy="381000"/>
           </a:xfrm>
           <a:prstGeom prst="ellipse">
             <a:avLst/>
@@ -4841,8 +4839,8 @@
         </p:nvCxnSpPr>
         <p:spPr>
           <a:xfrm rot="10800000" flipV="1">
-            <a:off x="4581246" y="2057400"/>
-            <a:ext cx="1057555" cy="473972"/>
+            <a:off x="4566604" y="2057398"/>
+            <a:ext cx="539628" cy="471742"/>
           </a:xfrm>
           <a:prstGeom prst="line">
             <a:avLst/>
@@ -4876,8 +4874,8 @@
         </p:nvSpPr>
         <p:spPr>
           <a:xfrm>
-            <a:off x="4191000" y="2468880"/>
-            <a:ext cx="457200" cy="426720"/>
+            <a:off x="4215384" y="2468880"/>
+            <a:ext cx="411480" cy="411480"/>
           </a:xfrm>
           <a:prstGeom prst="ellipse">
             <a:avLst/>
@@ -5627,8 +5625,8 @@
         </p:nvCxnSpPr>
         <p:spPr>
           <a:xfrm rot="10800000" flipV="1">
-            <a:off x="4809846" y="2057399"/>
-            <a:ext cx="676555" cy="447955"/>
+            <a:off x="4786430" y="2057396"/>
+            <a:ext cx="699978" cy="443942"/>
           </a:xfrm>
           <a:prstGeom prst="line">
             <a:avLst/>
@@ -5662,8 +5660,8 @@
         </p:nvSpPr>
         <p:spPr>
           <a:xfrm>
-            <a:off x="4419600" y="2895600"/>
-            <a:ext cx="457200" cy="457200"/>
+            <a:off x="4419600" y="2880360"/>
+            <a:ext cx="429768" cy="429768"/>
           </a:xfrm>
           <a:prstGeom prst="ellipse">
             <a:avLst/>
@@ -6017,8 +6015,8 @@
         </p:nvCxnSpPr>
         <p:spPr>
           <a:xfrm rot="16200000" flipH="1">
-            <a:off x="4771745" y="3323944"/>
-            <a:ext cx="600355" cy="524155"/>
+            <a:off x="4740710" y="3292910"/>
+            <a:ext cx="639010" cy="547570"/>
           </a:xfrm>
           <a:prstGeom prst="line">
             <a:avLst/>
@@ -6053,7 +6051,7 @@
         <p:spPr>
           <a:xfrm>
             <a:off x="4419600" y="2438400"/>
-            <a:ext cx="457200" cy="457200"/>
+            <a:ext cx="429768" cy="429768"/>
           </a:xfrm>
           <a:prstGeom prst="ellipse">
             <a:avLst/>

--- a/trunk/papers/pldi2011/drawings.pptx
+++ b/trunk/papers/pldi2011/drawings.pptx
@@ -5145,8 +5145,9 @@
                       <a:pPr algn="ctr"/>
                       <a:r>
                         <a:rPr lang="en-US" sz="900" dirty="0" smtClean="0"/>
-                        <a:t>X</a:t>
-                      </a:r>
+                        <a:t>x</a:t>
+                      </a:r>
+                      <a:endParaRPr lang="en-US" sz="900" dirty="0" smtClean="0"/>
                     </a:p>
                     <a:p>
                       <a:pPr algn="ctr"/>
@@ -5734,14 +5735,15 @@
                       <a:pPr algn="ctr"/>
                       <a:r>
                         <a:rPr lang="en-US" sz="900" dirty="0" smtClean="0"/>
-                        <a:t>Y </a:t>
-                      </a:r>
+                        <a:t>y</a:t>
+                      </a:r>
+                      <a:endParaRPr lang="en-US" sz="900" dirty="0" smtClean="0"/>
                     </a:p>
                     <a:p>
                       <a:pPr algn="ctr"/>
                       <a:r>
                         <a:rPr lang="en-US" sz="900" baseline="0" dirty="0" smtClean="0"/>
-                        <a:t>changes</a:t>
+                        <a:t>Changes</a:t>
                       </a:r>
                       <a:endParaRPr lang="en-US" sz="900" b="1" dirty="0" smtClean="0">
                         <a:solidFill>

--- a/trunk/papers/pldi2011/drawings.pptx
+++ b/trunk/papers/pldi2011/drawings.pptx
@@ -292,7 +292,7 @@
             <a:fld id="{1D8BD707-D9CF-40AE-B4C6-C98DA3205C09}" type="datetimeFigureOut">
               <a:rPr lang="en-US" smtClean="0"/>
               <a:pPr/>
-              <a:t>10/18/2010</a:t>
+              <a:t>10/26/2010</a:t>
             </a:fld>
             <a:endParaRPr lang="en-US"/>
           </a:p>
@@ -459,7 +459,7 @@
             <a:fld id="{1D8BD707-D9CF-40AE-B4C6-C98DA3205C09}" type="datetimeFigureOut">
               <a:rPr lang="en-US" smtClean="0"/>
               <a:pPr/>
-              <a:t>10/18/2010</a:t>
+              <a:t>10/26/2010</a:t>
             </a:fld>
             <a:endParaRPr lang="en-US"/>
           </a:p>
@@ -636,7 +636,7 @@
             <a:fld id="{1D8BD707-D9CF-40AE-B4C6-C98DA3205C09}" type="datetimeFigureOut">
               <a:rPr lang="en-US" smtClean="0"/>
               <a:pPr/>
-              <a:t>10/18/2010</a:t>
+              <a:t>10/26/2010</a:t>
             </a:fld>
             <a:endParaRPr lang="en-US"/>
           </a:p>
@@ -803,7 +803,7 @@
             <a:fld id="{1D8BD707-D9CF-40AE-B4C6-C98DA3205C09}" type="datetimeFigureOut">
               <a:rPr lang="en-US" smtClean="0"/>
               <a:pPr/>
-              <a:t>10/18/2010</a:t>
+              <a:t>10/26/2010</a:t>
             </a:fld>
             <a:endParaRPr lang="en-US"/>
           </a:p>
@@ -1046,7 +1046,7 @@
             <a:fld id="{1D8BD707-D9CF-40AE-B4C6-C98DA3205C09}" type="datetimeFigureOut">
               <a:rPr lang="en-US" smtClean="0"/>
               <a:pPr/>
-              <a:t>10/18/2010</a:t>
+              <a:t>10/26/2010</a:t>
             </a:fld>
             <a:endParaRPr lang="en-US"/>
           </a:p>
@@ -1331,7 +1331,7 @@
             <a:fld id="{1D8BD707-D9CF-40AE-B4C6-C98DA3205C09}" type="datetimeFigureOut">
               <a:rPr lang="en-US" smtClean="0"/>
               <a:pPr/>
-              <a:t>10/18/2010</a:t>
+              <a:t>10/26/2010</a:t>
             </a:fld>
             <a:endParaRPr lang="en-US"/>
           </a:p>
@@ -1750,7 +1750,7 @@
             <a:fld id="{1D8BD707-D9CF-40AE-B4C6-C98DA3205C09}" type="datetimeFigureOut">
               <a:rPr lang="en-US" smtClean="0"/>
               <a:pPr/>
-              <a:t>10/18/2010</a:t>
+              <a:t>10/26/2010</a:t>
             </a:fld>
             <a:endParaRPr lang="en-US"/>
           </a:p>
@@ -1865,7 +1865,7 @@
             <a:fld id="{1D8BD707-D9CF-40AE-B4C6-C98DA3205C09}" type="datetimeFigureOut">
               <a:rPr lang="en-US" smtClean="0"/>
               <a:pPr/>
-              <a:t>10/18/2010</a:t>
+              <a:t>10/26/2010</a:t>
             </a:fld>
             <a:endParaRPr lang="en-US"/>
           </a:p>
@@ -1957,7 +1957,7 @@
             <a:fld id="{1D8BD707-D9CF-40AE-B4C6-C98DA3205C09}" type="datetimeFigureOut">
               <a:rPr lang="en-US" smtClean="0"/>
               <a:pPr/>
-              <a:t>10/18/2010</a:t>
+              <a:t>10/26/2010</a:t>
             </a:fld>
             <a:endParaRPr lang="en-US"/>
           </a:p>
@@ -2231,7 +2231,7 @@
             <a:fld id="{1D8BD707-D9CF-40AE-B4C6-C98DA3205C09}" type="datetimeFigureOut">
               <a:rPr lang="en-US" smtClean="0"/>
               <a:pPr/>
-              <a:t>10/18/2010</a:t>
+              <a:t>10/26/2010</a:t>
             </a:fld>
             <a:endParaRPr lang="en-US"/>
           </a:p>
@@ -2481,7 +2481,7 @@
             <a:fld id="{1D8BD707-D9CF-40AE-B4C6-C98DA3205C09}" type="datetimeFigureOut">
               <a:rPr lang="en-US" smtClean="0"/>
               <a:pPr/>
-              <a:t>10/18/2010</a:t>
+              <a:t>10/26/2010</a:t>
             </a:fld>
             <a:endParaRPr lang="en-US"/>
           </a:p>
@@ -2691,7 +2691,7 @@
             <a:fld id="{1D8BD707-D9CF-40AE-B4C6-C98DA3205C09}" type="datetimeFigureOut">
               <a:rPr lang="en-US" smtClean="0"/>
               <a:pPr/>
-              <a:t>10/18/2010</a:t>
+              <a:t>10/26/2010</a:t>
             </a:fld>
             <a:endParaRPr lang="en-US"/>
           </a:p>
@@ -4819,11 +4819,7 @@
             </a:r>
             <a:r>
               <a:rPr lang="en-US" sz="1100" b="1" dirty="0" smtClean="0"/>
-              <a:t> scope </a:t>
-            </a:r>
-            <a:r>
-              <a:rPr lang="en-US" sz="1100" b="1" dirty="0" smtClean="0"/>
-              <a:t>id at the reproduction point : 55</a:t>
+              <a:t> scope id at the reproduction point : 55</a:t>
             </a:r>
             <a:endParaRPr lang="en-US" sz="1100" b="1" dirty="0"/>
           </a:p>
@@ -5147,7 +5143,6 @@
                         <a:rPr lang="en-US" sz="900" dirty="0" smtClean="0"/>
                         <a:t>x</a:t>
                       </a:r>
-                      <a:endParaRPr lang="en-US" sz="900" dirty="0" smtClean="0"/>
                     </a:p>
                     <a:p>
                       <a:pPr algn="ctr"/>
@@ -5279,9 +5274,10 @@
                         <a:defRPr/>
                       </a:pPr>
                       <a:r>
-                        <a:rPr lang="en-US" sz="900" dirty="0" smtClean="0"/>
-                        <a:t>X’s</a:t>
-                      </a:r>
+                        <a:rPr lang="en-US" sz="900" dirty="0" err="1" smtClean="0"/>
+                        <a:t>x’s</a:t>
+                      </a:r>
+                      <a:endParaRPr lang="en-US" sz="900" dirty="0" smtClean="0"/>
                     </a:p>
                     <a:p>
                       <a:pPr marL="0" marR="0" indent="0" algn="ctr" defTabSz="914400" rtl="0" eaLnBrk="1" fontAlgn="auto" latinLnBrk="0" hangingPunct="1">
@@ -5737,7 +5733,6 @@
                         <a:rPr lang="en-US" sz="900" dirty="0" smtClean="0"/>
                         <a:t>y</a:t>
                       </a:r>
-                      <a:endParaRPr lang="en-US" sz="900" dirty="0" smtClean="0"/>
                     </a:p>
                     <a:p>
                       <a:pPr algn="ctr"/>
@@ -5868,8 +5863,16 @@
                     <a:p>
                       <a:pPr algn="ctr"/>
                       <a:r>
+                        <a:rPr lang="en-US" sz="900" dirty="0" err="1" smtClean="0"/>
+                        <a:t>y’s</a:t>
+                      </a:r>
+                      <a:r>
                         <a:rPr lang="en-US" sz="900" dirty="0" smtClean="0"/>
-                        <a:t>Y’s owner Id</a:t>
+                        <a:t> </a:t>
+                      </a:r>
+                      <a:r>
+                        <a:rPr lang="en-US" sz="900" dirty="0" smtClean="0"/>
+                        <a:t>owner Id</a:t>
                       </a:r>
                       <a:endParaRPr lang="en-US" sz="900" b="1" dirty="0">
                         <a:solidFill>

--- a/trunk/papers/pldi2011/drawings.pptx
+++ b/trunk/papers/pldi2011/drawings.pptx
@@ -292,7 +292,7 @@
             <a:fld id="{1D8BD707-D9CF-40AE-B4C6-C98DA3205C09}" type="datetimeFigureOut">
               <a:rPr lang="en-US" smtClean="0"/>
               <a:pPr/>
-              <a:t>10/26/2010</a:t>
+              <a:t>10/27/2010</a:t>
             </a:fld>
             <a:endParaRPr lang="en-US"/>
           </a:p>
@@ -459,7 +459,7 @@
             <a:fld id="{1D8BD707-D9CF-40AE-B4C6-C98DA3205C09}" type="datetimeFigureOut">
               <a:rPr lang="en-US" smtClean="0"/>
               <a:pPr/>
-              <a:t>10/26/2010</a:t>
+              <a:t>10/27/2010</a:t>
             </a:fld>
             <a:endParaRPr lang="en-US"/>
           </a:p>
@@ -636,7 +636,7 @@
             <a:fld id="{1D8BD707-D9CF-40AE-B4C6-C98DA3205C09}" type="datetimeFigureOut">
               <a:rPr lang="en-US" smtClean="0"/>
               <a:pPr/>
-              <a:t>10/26/2010</a:t>
+              <a:t>10/27/2010</a:t>
             </a:fld>
             <a:endParaRPr lang="en-US"/>
           </a:p>
@@ -803,7 +803,7 @@
             <a:fld id="{1D8BD707-D9CF-40AE-B4C6-C98DA3205C09}" type="datetimeFigureOut">
               <a:rPr lang="en-US" smtClean="0"/>
               <a:pPr/>
-              <a:t>10/26/2010</a:t>
+              <a:t>10/27/2010</a:t>
             </a:fld>
             <a:endParaRPr lang="en-US"/>
           </a:p>
@@ -1046,7 +1046,7 @@
             <a:fld id="{1D8BD707-D9CF-40AE-B4C6-C98DA3205C09}" type="datetimeFigureOut">
               <a:rPr lang="en-US" smtClean="0"/>
               <a:pPr/>
-              <a:t>10/26/2010</a:t>
+              <a:t>10/27/2010</a:t>
             </a:fld>
             <a:endParaRPr lang="en-US"/>
           </a:p>
@@ -1331,7 +1331,7 @@
             <a:fld id="{1D8BD707-D9CF-40AE-B4C6-C98DA3205C09}" type="datetimeFigureOut">
               <a:rPr lang="en-US" smtClean="0"/>
               <a:pPr/>
-              <a:t>10/26/2010</a:t>
+              <a:t>10/27/2010</a:t>
             </a:fld>
             <a:endParaRPr lang="en-US"/>
           </a:p>
@@ -1750,7 +1750,7 @@
             <a:fld id="{1D8BD707-D9CF-40AE-B4C6-C98DA3205C09}" type="datetimeFigureOut">
               <a:rPr lang="en-US" smtClean="0"/>
               <a:pPr/>
-              <a:t>10/26/2010</a:t>
+              <a:t>10/27/2010</a:t>
             </a:fld>
             <a:endParaRPr lang="en-US"/>
           </a:p>
@@ -1865,7 +1865,7 @@
             <a:fld id="{1D8BD707-D9CF-40AE-B4C6-C98DA3205C09}" type="datetimeFigureOut">
               <a:rPr lang="en-US" smtClean="0"/>
               <a:pPr/>
-              <a:t>10/26/2010</a:t>
+              <a:t>10/27/2010</a:t>
             </a:fld>
             <a:endParaRPr lang="en-US"/>
           </a:p>
@@ -1957,7 +1957,7 @@
             <a:fld id="{1D8BD707-D9CF-40AE-B4C6-C98DA3205C09}" type="datetimeFigureOut">
               <a:rPr lang="en-US" smtClean="0"/>
               <a:pPr/>
-              <a:t>10/26/2010</a:t>
+              <a:t>10/27/2010</a:t>
             </a:fld>
             <a:endParaRPr lang="en-US"/>
           </a:p>
@@ -2231,7 +2231,7 @@
             <a:fld id="{1D8BD707-D9CF-40AE-B4C6-C98DA3205C09}" type="datetimeFigureOut">
               <a:rPr lang="en-US" smtClean="0"/>
               <a:pPr/>
-              <a:t>10/26/2010</a:t>
+              <a:t>10/27/2010</a:t>
             </a:fld>
             <a:endParaRPr lang="en-US"/>
           </a:p>
@@ -2481,7 +2481,7 @@
             <a:fld id="{1D8BD707-D9CF-40AE-B4C6-C98DA3205C09}" type="datetimeFigureOut">
               <a:rPr lang="en-US" smtClean="0"/>
               <a:pPr/>
-              <a:t>10/26/2010</a:t>
+              <a:t>10/27/2010</a:t>
             </a:fld>
             <a:endParaRPr lang="en-US"/>
           </a:p>
@@ -2691,7 +2691,7 @@
             <a:fld id="{1D8BD707-D9CF-40AE-B4C6-C98DA3205C09}" type="datetimeFigureOut">
               <a:rPr lang="en-US" smtClean="0"/>
               <a:pPr/>
-              <a:t>10/26/2010</a:t>
+              <a:t>10/27/2010</a:t>
             </a:fld>
             <a:endParaRPr lang="en-US"/>
           </a:p>
@@ -5299,7 +5299,15 @@
                       </a:pPr>
                       <a:r>
                         <a:rPr lang="en-US" sz="900" dirty="0" smtClean="0"/>
-                        <a:t>Owner Id</a:t>
+                        <a:t>o</a:t>
+                      </a:r>
+                      <a:r>
+                        <a:rPr lang="en-US" sz="900" smtClean="0"/>
+                        <a:t>wner </a:t>
+                      </a:r>
+                      <a:r>
+                        <a:rPr lang="en-US" sz="900" dirty="0" smtClean="0"/>
+                        <a:t>Id</a:t>
                       </a:r>
                       <a:endParaRPr lang="en-US" sz="900" b="1" dirty="0" smtClean="0">
                         <a:solidFill>
@@ -5868,11 +5876,7 @@
                       </a:r>
                       <a:r>
                         <a:rPr lang="en-US" sz="900" dirty="0" smtClean="0"/>
-                        <a:t> </a:t>
-                      </a:r>
-                      <a:r>
-                        <a:rPr lang="en-US" sz="900" dirty="0" smtClean="0"/>
-                        <a:t>owner Id</a:t>
+                        <a:t> owner Id</a:t>
                       </a:r>
                       <a:endParaRPr lang="en-US" sz="900" b="1" dirty="0">
                         <a:solidFill>
